--- a/Lab slides.pptx
+++ b/Lab slides.pptx
@@ -5,7 +5,7 @@
     <p:sldMasterId id="2147483672" r:id="rId1"/>
   </p:sldMasterIdLst>
   <p:notesMasterIdLst>
-    <p:notesMasterId r:id="rId29"/>
+    <p:notesMasterId r:id="rId31"/>
   </p:notesMasterIdLst>
   <p:sldIdLst>
     <p:sldId id="256" r:id="rId2"/>
@@ -21,20 +21,22 @@
     <p:sldId id="265" r:id="rId12"/>
     <p:sldId id="258" r:id="rId13"/>
     <p:sldId id="276" r:id="rId14"/>
-    <p:sldId id="266" r:id="rId15"/>
-    <p:sldId id="267" r:id="rId16"/>
-    <p:sldId id="268" r:id="rId17"/>
-    <p:sldId id="278" r:id="rId18"/>
-    <p:sldId id="269" r:id="rId19"/>
-    <p:sldId id="270" r:id="rId20"/>
-    <p:sldId id="281" r:id="rId21"/>
-    <p:sldId id="271" r:id="rId22"/>
-    <p:sldId id="272" r:id="rId23"/>
-    <p:sldId id="282" r:id="rId24"/>
-    <p:sldId id="283" r:id="rId25"/>
-    <p:sldId id="284" r:id="rId26"/>
-    <p:sldId id="279" r:id="rId27"/>
-    <p:sldId id="274" r:id="rId28"/>
+    <p:sldId id="285" r:id="rId15"/>
+    <p:sldId id="286" r:id="rId16"/>
+    <p:sldId id="266" r:id="rId17"/>
+    <p:sldId id="267" r:id="rId18"/>
+    <p:sldId id="268" r:id="rId19"/>
+    <p:sldId id="278" r:id="rId20"/>
+    <p:sldId id="269" r:id="rId21"/>
+    <p:sldId id="270" r:id="rId22"/>
+    <p:sldId id="281" r:id="rId23"/>
+    <p:sldId id="271" r:id="rId24"/>
+    <p:sldId id="272" r:id="rId25"/>
+    <p:sldId id="282" r:id="rId26"/>
+    <p:sldId id="283" r:id="rId27"/>
+    <p:sldId id="284" r:id="rId28"/>
+    <p:sldId id="279" r:id="rId29"/>
+    <p:sldId id="274" r:id="rId30"/>
   </p:sldIdLst>
   <p:sldSz cx="9144000" cy="6858000" type="screen4x3"/>
   <p:notesSz cx="6858000" cy="9144000"/>
@@ -223,7 +225,7 @@
           <a:p>
             <a:fld id="{1A7DE32C-4D36-4266-AC73-05613B962B0D}" type="datetimeFigureOut">
               <a:rPr lang="en-US" smtClean="0"/>
-              <a:t>9/11/2018</a:t>
+              <a:t>9/8/19</a:t>
             </a:fld>
             <a:endParaRPr lang="en-US"/>
           </a:p>
@@ -811,7 +813,7 @@
           <a:p>
             <a:fld id="{66733E30-8015-4A28-8047-3F9EFA2F9AFD}" type="datetimeFigureOut">
               <a:rPr lang="en-US" smtClean="0"/>
-              <a:t>9/11/2018</a:t>
+              <a:t>9/8/19</a:t>
             </a:fld>
             <a:endParaRPr lang="en-US"/>
           </a:p>
@@ -1019,7 +1021,7 @@
           <a:p>
             <a:fld id="{66733E30-8015-4A28-8047-3F9EFA2F9AFD}" type="datetimeFigureOut">
               <a:rPr lang="en-US" smtClean="0"/>
-              <a:t>9/11/2018</a:t>
+              <a:t>9/8/19</a:t>
             </a:fld>
             <a:endParaRPr lang="en-US"/>
           </a:p>
@@ -1275,7 +1277,7 @@
           <a:p>
             <a:fld id="{66733E30-8015-4A28-8047-3F9EFA2F9AFD}" type="datetimeFigureOut">
               <a:rPr lang="en-US" smtClean="0"/>
-              <a:t>9/11/2018</a:t>
+              <a:t>9/8/19</a:t>
             </a:fld>
             <a:endParaRPr lang="en-US"/>
           </a:p>
@@ -1445,7 +1447,7 @@
           <a:p>
             <a:fld id="{66733E30-8015-4A28-8047-3F9EFA2F9AFD}" type="datetimeFigureOut">
               <a:rPr lang="en-US" smtClean="0"/>
-              <a:t>9/11/2018</a:t>
+              <a:t>9/8/19</a:t>
             </a:fld>
             <a:endParaRPr lang="en-US"/>
           </a:p>
@@ -1788,7 +1790,7 @@
           <a:p>
             <a:fld id="{66733E30-8015-4A28-8047-3F9EFA2F9AFD}" type="datetimeFigureOut">
               <a:rPr lang="en-US" smtClean="0"/>
-              <a:t>9/11/2018</a:t>
+              <a:t>9/8/19</a:t>
             </a:fld>
             <a:endParaRPr lang="en-US"/>
           </a:p>
@@ -2063,7 +2065,7 @@
           <a:p>
             <a:fld id="{66733E30-8015-4A28-8047-3F9EFA2F9AFD}" type="datetimeFigureOut">
               <a:rPr lang="en-US" smtClean="0"/>
-              <a:t>9/11/2018</a:t>
+              <a:t>9/8/19</a:t>
             </a:fld>
             <a:endParaRPr lang="en-US"/>
           </a:p>
@@ -2442,7 +2444,7 @@
           <a:p>
             <a:fld id="{66733E30-8015-4A28-8047-3F9EFA2F9AFD}" type="datetimeFigureOut">
               <a:rPr lang="en-US" smtClean="0"/>
-              <a:t>9/11/2018</a:t>
+              <a:t>9/8/19</a:t>
             </a:fld>
             <a:endParaRPr lang="en-US"/>
           </a:p>
@@ -2560,7 +2562,7 @@
           <a:p>
             <a:fld id="{66733E30-8015-4A28-8047-3F9EFA2F9AFD}" type="datetimeFigureOut">
               <a:rPr lang="en-US" smtClean="0"/>
-              <a:t>9/11/2018</a:t>
+              <a:t>9/8/19</a:t>
             </a:fld>
             <a:endParaRPr lang="en-US"/>
           </a:p>
@@ -2731,7 +2733,7 @@
           <a:p>
             <a:fld id="{66733E30-8015-4A28-8047-3F9EFA2F9AFD}" type="datetimeFigureOut">
               <a:rPr lang="en-US" smtClean="0"/>
-              <a:t>9/11/2018</a:t>
+              <a:t>9/8/19</a:t>
             </a:fld>
             <a:endParaRPr lang="en-US"/>
           </a:p>
@@ -3085,7 +3087,7 @@
           <a:p>
             <a:fld id="{66733E30-8015-4A28-8047-3F9EFA2F9AFD}" type="datetimeFigureOut">
               <a:rPr lang="en-US" smtClean="0"/>
-              <a:t>9/11/2018</a:t>
+              <a:t>9/8/19</a:t>
             </a:fld>
             <a:endParaRPr lang="en-US"/>
           </a:p>
@@ -3467,7 +3469,7 @@
           <a:p>
             <a:fld id="{66733E30-8015-4A28-8047-3F9EFA2F9AFD}" type="datetimeFigureOut">
               <a:rPr lang="en-US" smtClean="0"/>
-              <a:t>9/11/2018</a:t>
+              <a:t>9/8/19</a:t>
             </a:fld>
             <a:endParaRPr lang="en-US"/>
           </a:p>
@@ -3754,7 +3756,7 @@
           <a:p>
             <a:fld id="{66733E30-8015-4A28-8047-3F9EFA2F9AFD}" type="datetimeFigureOut">
               <a:rPr lang="en-US" smtClean="0"/>
-              <a:t>9/11/2018</a:t>
+              <a:t>9/8/19</a:t>
             </a:fld>
             <a:endParaRPr lang="en-US"/>
           </a:p>
@@ -4326,8 +4328,8 @@
           <a:lstStyle/>
           <a:p>
             <a:r>
-              <a:rPr lang="en-US" dirty="0"/>
-              <a:t>Danchen Zhang,</a:t>
+              <a:rPr lang="en-US" altLang="zh-CN" dirty="0"/>
+              <a:t>Fan</a:t>
             </a:r>
             <a:r>
               <a:rPr lang="zh-CN" altLang="en-US" dirty="0"/>
@@ -4335,15 +4337,15 @@
             </a:r>
             <a:r>
               <a:rPr lang="en-US" altLang="zh-CN" dirty="0"/>
-              <a:t>Fan</a:t>
-            </a:r>
-            <a:r>
-              <a:rPr lang="zh-CN" altLang="en-US" dirty="0"/>
-              <a:t> </a:t>
-            </a:r>
-            <a:r>
-              <a:rPr lang="en-US" altLang="zh-CN" dirty="0"/>
               <a:t>Yang</a:t>
+            </a:r>
+          </a:p>
+          <a:p>
+            <a:r>
+              <a:rPr lang="en-US" dirty="0">
+                <a:hlinkClick r:id="rId2"/>
+              </a:rPr>
+              <a:t>https://github.com/yfamy123/INFSCI2710-lab</a:t>
             </a:r>
             <a:endParaRPr lang="en-US" dirty="0"/>
           </a:p>
@@ -4520,7 +4522,7 @@
 </file>
 
 <file path=ppt/slides/slide11.xml><?xml version="1.0" encoding="utf-8"?>
-<p:sld xmlns:a="http://schemas.openxmlformats.org/drawingml/2006/main" xmlns:r="http://schemas.openxmlformats.org/officeDocument/2006/relationships" xmlns:p="http://schemas.openxmlformats.org/presentationml/2006/main">
+<p:sld xmlns:a="http://schemas.openxmlformats.org/drawingml/2006/main" xmlns:r="http://schemas.openxmlformats.org/officeDocument/2006/relationships" xmlns:p="http://schemas.openxmlformats.org/presentationml/2006/main" show="0">
   <p:cSld>
     <p:spTree>
       <p:nvGrpSpPr>
@@ -4788,7 +4790,7 @@
 </file>
 
 <file path=ppt/slides/slide12.xml><?xml version="1.0" encoding="utf-8"?>
-<p:sld xmlns:a="http://schemas.openxmlformats.org/drawingml/2006/main" xmlns:r="http://schemas.openxmlformats.org/officeDocument/2006/relationships" xmlns:p="http://schemas.openxmlformats.org/presentationml/2006/main">
+<p:sld xmlns:a="http://schemas.openxmlformats.org/drawingml/2006/main" xmlns:r="http://schemas.openxmlformats.org/officeDocument/2006/relationships" xmlns:p="http://schemas.openxmlformats.org/presentationml/2006/main" show="0">
   <p:cSld>
     <p:spTree>
       <p:nvGrpSpPr>
@@ -4985,29 +4987,7 @@
             <a:br>
               <a:rPr lang="en-US" dirty="0"/>
             </a:br>
-            <a:r>
-              <a:rPr lang="en-US" sz="4400" dirty="0"/>
-              <a:t>Codes are in </a:t>
-            </a:r>
-            <a:r>
-              <a:rPr lang="en-US" sz="4400" b="1" dirty="0">
-                <a:solidFill>
-                  <a:schemeClr val="tx1"/>
-                </a:solidFill>
-                <a:effectLst>
-                  <a:outerShdw blurRad="38100" dist="38100" dir="2700000" algn="tl">
-                    <a:srgbClr val="000000">
-                      <a:alpha val="43137"/>
-                    </a:srgbClr>
-                  </a:outerShdw>
-                </a:effectLst>
-              </a:rPr>
-              <a:t>class_codes.txt</a:t>
-            </a:r>
-            <a:r>
-              <a:rPr lang="en-US" sz="4400" dirty="0"/>
-              <a:t> file</a:t>
-            </a:r>
+            <a:endParaRPr lang="en-US" sz="4400" dirty="0"/>
           </a:p>
         </p:txBody>
       </p:sp>
@@ -5062,6 +5042,993 @@
       </p:grpSpPr>
       <p:sp>
         <p:nvSpPr>
+          <p:cNvPr id="6" name="Title 5">
+            <a:extLst>
+              <a:ext uri="{FF2B5EF4-FFF2-40B4-BE49-F238E27FC236}">
+                <a16:creationId xmlns:a16="http://schemas.microsoft.com/office/drawing/2014/main" id="{E90007A4-CA0F-2148-B5F0-33C9BA23DDD7}"/>
+              </a:ext>
+            </a:extLst>
+          </p:cNvPr>
+          <p:cNvSpPr>
+            <a:spLocks noGrp="1"/>
+          </p:cNvSpPr>
+          <p:nvPr>
+            <p:ph type="title"/>
+          </p:nvPr>
+        </p:nvSpPr>
+        <p:spPr/>
+        <p:txBody>
+          <a:bodyPr/>
+          <a:lstStyle/>
+          <a:p>
+            <a:r>
+              <a:rPr lang="en-US" dirty="0"/>
+              <a:t>My SQL</a:t>
+            </a:r>
+          </a:p>
+        </p:txBody>
+      </p:sp>
+      <p:sp>
+        <p:nvSpPr>
+          <p:cNvPr id="7" name="TextBox 6">
+            <a:extLst>
+              <a:ext uri="{FF2B5EF4-FFF2-40B4-BE49-F238E27FC236}">
+                <a16:creationId xmlns:a16="http://schemas.microsoft.com/office/drawing/2014/main" id="{B5D15C2D-3617-EC48-9B8D-F537603ACF5D}"/>
+              </a:ext>
+            </a:extLst>
+          </p:cNvPr>
+          <p:cNvSpPr txBox="1"/>
+          <p:nvPr/>
+        </p:nvSpPr>
+        <p:spPr>
+          <a:xfrm>
+            <a:off x="948690" y="2114550"/>
+            <a:ext cx="7418070" cy="3139321"/>
+          </a:xfrm>
+          <a:prstGeom prst="rect">
+            <a:avLst/>
+          </a:prstGeom>
+          <a:noFill/>
+        </p:spPr>
+        <p:txBody>
+          <a:bodyPr wrap="square" rtlCol="0">
+            <a:spAutoFit/>
+          </a:bodyPr>
+          <a:lstStyle/>
+          <a:p>
+            <a:pPr marL="285750" indent="-285750">
+              <a:buFont typeface="Arial" panose="020B0604020202020204" pitchFamily="34" charset="0"/>
+              <a:buChar char="•"/>
+            </a:pPr>
+            <a:r>
+              <a:rPr lang="en-US" dirty="0"/>
+              <a:t>Start MAMP/WAMP/LAMP server</a:t>
+            </a:r>
+          </a:p>
+          <a:p>
+            <a:pPr marL="285750" indent="-285750">
+              <a:buFont typeface="Arial" panose="020B0604020202020204" pitchFamily="34" charset="0"/>
+              <a:buChar char="•"/>
+            </a:pPr>
+            <a:endParaRPr lang="en-US" dirty="0"/>
+          </a:p>
+          <a:p>
+            <a:pPr marL="285750" indent="-285750">
+              <a:buFont typeface="Arial" panose="020B0604020202020204" pitchFamily="34" charset="0"/>
+              <a:buChar char="•"/>
+            </a:pPr>
+            <a:r>
+              <a:rPr lang="en-US" dirty="0"/>
+              <a:t>Open </a:t>
+            </a:r>
+            <a:r>
+              <a:rPr lang="en-US" dirty="0" err="1"/>
+              <a:t>WebStart</a:t>
+            </a:r>
+            <a:r>
+              <a:rPr lang="en-US" dirty="0"/>
+              <a:t> Page (choose the link based on your port setting)</a:t>
+            </a:r>
+          </a:p>
+          <a:p>
+            <a:pPr marL="742950" lvl="1" indent="-285750">
+              <a:buFont typeface="Arial" panose="020B0604020202020204" pitchFamily="34" charset="0"/>
+              <a:buChar char="•"/>
+            </a:pPr>
+            <a:r>
+              <a:rPr lang="en-US" dirty="0">
+                <a:hlinkClick r:id="rId2"/>
+              </a:rPr>
+              <a:t>http://localhost:8888/MAMP/</a:t>
+            </a:r>
+            <a:endParaRPr lang="en-US" dirty="0"/>
+          </a:p>
+          <a:p>
+            <a:pPr marL="742950" lvl="1" indent="-285750">
+              <a:buFont typeface="Arial" panose="020B0604020202020204" pitchFamily="34" charset="0"/>
+              <a:buChar char="•"/>
+            </a:pPr>
+            <a:r>
+              <a:rPr lang="en-US" dirty="0">
+                <a:hlinkClick r:id="rId3"/>
+              </a:rPr>
+              <a:t>http://localhost/MAMP/</a:t>
+            </a:r>
+            <a:endParaRPr lang="en-US" dirty="0"/>
+          </a:p>
+          <a:p>
+            <a:pPr marL="742950" lvl="1" indent="-285750">
+              <a:buFont typeface="Arial" panose="020B0604020202020204" pitchFamily="34" charset="0"/>
+              <a:buChar char="•"/>
+            </a:pPr>
+            <a:endParaRPr lang="en-US" dirty="0"/>
+          </a:p>
+          <a:p>
+            <a:pPr marL="285750" indent="-285750">
+              <a:buFont typeface="Arial" panose="020B0604020202020204" pitchFamily="34" charset="0"/>
+              <a:buChar char="•"/>
+            </a:pPr>
+            <a:r>
+              <a:rPr lang="en-US" dirty="0"/>
+              <a:t>Open PhpMyAdmin</a:t>
+            </a:r>
+          </a:p>
+          <a:p>
+            <a:pPr marL="742950" lvl="1" indent="-285750">
+              <a:buFont typeface="Arial" panose="020B0604020202020204" pitchFamily="34" charset="0"/>
+              <a:buChar char="•"/>
+            </a:pPr>
+            <a:r>
+              <a:rPr lang="en-US" dirty="0">
+                <a:hlinkClick r:id="rId4"/>
+              </a:rPr>
+              <a:t>http://localhost:8888/phpMyAdmin/?lang=en</a:t>
+            </a:r>
+            <a:endParaRPr lang="en-US" dirty="0"/>
+          </a:p>
+          <a:p>
+            <a:pPr marL="742950" lvl="1" indent="-285750">
+              <a:buFont typeface="Arial" panose="020B0604020202020204" pitchFamily="34" charset="0"/>
+              <a:buChar char="•"/>
+            </a:pPr>
+            <a:r>
+              <a:rPr lang="en-US" dirty="0">
+                <a:hlinkClick r:id="rId5"/>
+              </a:rPr>
+              <a:t>http://localhost/phpMyAdmin/?lang=en</a:t>
+            </a:r>
+            <a:endParaRPr lang="en-US" dirty="0"/>
+          </a:p>
+          <a:p>
+            <a:pPr marL="742950" lvl="1" indent="-285750">
+              <a:buFont typeface="Arial" panose="020B0604020202020204" pitchFamily="34" charset="0"/>
+              <a:buChar char="•"/>
+            </a:pPr>
+            <a:endParaRPr lang="en-US" dirty="0"/>
+          </a:p>
+          <a:p>
+            <a:pPr marL="285750" indent="-285750">
+              <a:buFont typeface="Arial" panose="020B0604020202020204" pitchFamily="34" charset="0"/>
+              <a:buChar char="•"/>
+            </a:pPr>
+            <a:r>
+              <a:rPr lang="en-US" dirty="0"/>
+              <a:t>Login with username: </a:t>
+            </a:r>
+            <a:r>
+              <a:rPr lang="en-US" b="1" i="1" dirty="0">
+                <a:solidFill>
+                  <a:srgbClr val="FF0000"/>
+                </a:solidFill>
+              </a:rPr>
+              <a:t>root, no password needed</a:t>
+            </a:r>
+          </a:p>
+        </p:txBody>
+      </p:sp>
+    </p:spTree>
+    <p:extLst>
+      <p:ext uri="{BB962C8B-B14F-4D97-AF65-F5344CB8AC3E}">
+        <p14:creationId xmlns:p14="http://schemas.microsoft.com/office/powerpoint/2010/main" val="1065594020"/>
+      </p:ext>
+    </p:extLst>
+  </p:cSld>
+  <p:clrMapOvr>
+    <a:masterClrMapping/>
+  </p:clrMapOvr>
+</p:sld>
+</file>
+
+<file path=ppt/slides/slide15.xml><?xml version="1.0" encoding="utf-8"?>
+<p:sld xmlns:a="http://schemas.openxmlformats.org/drawingml/2006/main" xmlns:r="http://schemas.openxmlformats.org/officeDocument/2006/relationships" xmlns:p="http://schemas.openxmlformats.org/presentationml/2006/main">
+  <p:cSld>
+    <p:bg>
+      <p:bgPr>
+        <a:solidFill>
+          <a:schemeClr val="bg1"/>
+        </a:solidFill>
+        <a:effectLst/>
+      </p:bgPr>
+    </p:bg>
+    <p:spTree>
+      <p:nvGrpSpPr>
+        <p:cNvPr id="1" name=""/>
+        <p:cNvGrpSpPr/>
+        <p:nvPr/>
+      </p:nvGrpSpPr>
+      <p:grpSpPr>
+        <a:xfrm>
+          <a:off x="0" y="0"/>
+          <a:ext cx="0" cy="0"/>
+          <a:chOff x="0" y="0"/>
+          <a:chExt cx="0" cy="0"/>
+        </a:xfrm>
+      </p:grpSpPr>
+      <p:sp>
+        <p:nvSpPr>
+          <p:cNvPr id="19" name="Rectangle 9">
+            <a:extLst>
+              <a:ext uri="{FF2B5EF4-FFF2-40B4-BE49-F238E27FC236}">
+                <a16:creationId xmlns:a16="http://schemas.microsoft.com/office/drawing/2014/main" id="{799448F2-0E5B-42DA-B2D1-11A14E947BD4}"/>
+              </a:ext>
+              <a:ext uri="{C183D7F6-B498-43B3-948B-1728B52AA6E4}">
+                <adec:decorative xmlns:adec="http://schemas.microsoft.com/office/drawing/2017/decorative" val="1"/>
+              </a:ext>
+            </a:extLst>
+          </p:cNvPr>
+          <p:cNvSpPr>
+            <a:spLocks noGrp="1" noRot="1" noChangeAspect="1" noMove="1" noResize="1" noEditPoints="1" noAdjustHandles="1" noChangeArrowheads="1" noChangeShapeType="1" noTextEdit="1"/>
+          </p:cNvSpPr>
+          <p:nvPr>
+            <p:extLst>
+              <p:ext uri="{386F3935-93C4-4BCD-93E2-E3B085C9AB24}">
+                <p16:designElem xmlns:p16="http://schemas.microsoft.com/office/powerpoint/2015/main" val="1"/>
+              </p:ext>
+            </p:extLst>
+          </p:nvPr>
+        </p:nvSpPr>
+        <p:spPr>
+          <a:xfrm>
+            <a:off x="4537710" y="0"/>
+            <a:ext cx="68580" cy="6858000"/>
+          </a:xfrm>
+          <a:prstGeom prst="rect">
+            <a:avLst/>
+          </a:prstGeom>
+          <a:solidFill>
+            <a:schemeClr val="tx1">
+              <a:lumMod val="75000"/>
+              <a:lumOff val="25000"/>
+            </a:schemeClr>
+          </a:solidFill>
+          <a:ln>
+            <a:noFill/>
+          </a:ln>
+        </p:spPr>
+        <p:style>
+          <a:lnRef idx="2">
+            <a:schemeClr val="accent1">
+              <a:shade val="50000"/>
+            </a:schemeClr>
+          </a:lnRef>
+          <a:fillRef idx="1">
+            <a:schemeClr val="accent1"/>
+          </a:fillRef>
+          <a:effectRef idx="0">
+            <a:schemeClr val="accent1"/>
+          </a:effectRef>
+          <a:fontRef idx="minor">
+            <a:schemeClr val="lt1"/>
+          </a:fontRef>
+        </p:style>
+        <p:txBody>
+          <a:bodyPr rtlCol="0" anchor="ctr"/>
+          <a:lstStyle/>
+          <a:p>
+            <a:pPr algn="ctr"/>
+            <a:endParaRPr lang="en-US"/>
+          </a:p>
+        </p:txBody>
+      </p:sp>
+      <p:sp>
+        <p:nvSpPr>
+          <p:cNvPr id="20" name="Rectangle 11">
+            <a:extLst>
+              <a:ext uri="{FF2B5EF4-FFF2-40B4-BE49-F238E27FC236}">
+                <a16:creationId xmlns:a16="http://schemas.microsoft.com/office/drawing/2014/main" id="{4E8A7552-20E1-4F34-ADAB-C1DB6634D47E}"/>
+              </a:ext>
+              <a:ext uri="{C183D7F6-B498-43B3-948B-1728B52AA6E4}">
+                <adec:decorative xmlns:adec="http://schemas.microsoft.com/office/drawing/2017/decorative" val="1"/>
+              </a:ext>
+            </a:extLst>
+          </p:cNvPr>
+          <p:cNvSpPr>
+            <a:spLocks noGrp="1" noRot="1" noChangeAspect="1" noMove="1" noResize="1" noEditPoints="1" noAdjustHandles="1" noChangeArrowheads="1" noChangeShapeType="1" noTextEdit="1"/>
+          </p:cNvSpPr>
+          <p:nvPr>
+            <p:extLst>
+              <p:ext uri="{386F3935-93C4-4BCD-93E2-E3B085C9AB24}">
+                <p16:designElem xmlns:p16="http://schemas.microsoft.com/office/powerpoint/2015/main" val="1"/>
+              </p:ext>
+            </p:extLst>
+          </p:nvPr>
+        </p:nvSpPr>
+        <p:spPr>
+          <a:xfrm>
+            <a:off x="0" y="3383280"/>
+            <a:ext cx="4594860" cy="91440"/>
+          </a:xfrm>
+          <a:prstGeom prst="rect">
+            <a:avLst/>
+          </a:prstGeom>
+          <a:solidFill>
+            <a:schemeClr val="tx1">
+              <a:lumMod val="75000"/>
+              <a:lumOff val="25000"/>
+            </a:schemeClr>
+          </a:solidFill>
+          <a:ln>
+            <a:noFill/>
+          </a:ln>
+        </p:spPr>
+        <p:style>
+          <a:lnRef idx="2">
+            <a:schemeClr val="accent1">
+              <a:shade val="50000"/>
+            </a:schemeClr>
+          </a:lnRef>
+          <a:fillRef idx="1">
+            <a:schemeClr val="accent1"/>
+          </a:fillRef>
+          <a:effectRef idx="0">
+            <a:schemeClr val="accent1"/>
+          </a:effectRef>
+          <a:fontRef idx="minor">
+            <a:schemeClr val="lt1"/>
+          </a:fontRef>
+        </p:style>
+        <p:txBody>
+          <a:bodyPr rtlCol="0" anchor="ctr"/>
+          <a:lstStyle/>
+          <a:p>
+            <a:pPr algn="ctr"/>
+            <a:endParaRPr lang="en-US"/>
+          </a:p>
+        </p:txBody>
+      </p:sp>
+      <p:pic>
+        <p:nvPicPr>
+          <p:cNvPr id="3" name="Picture 2">
+            <a:extLst>
+              <a:ext uri="{FF2B5EF4-FFF2-40B4-BE49-F238E27FC236}">
+                <a16:creationId xmlns:a16="http://schemas.microsoft.com/office/drawing/2014/main" id="{68DB97DD-CB77-B44F-8BE6-C871A56ACFD7}"/>
+              </a:ext>
+            </a:extLst>
+          </p:cNvPr>
+          <p:cNvPicPr>
+            <a:picLocks noChangeAspect="1"/>
+          </p:cNvPicPr>
+          <p:nvPr/>
+        </p:nvPicPr>
+        <p:blipFill>
+          <a:blip r:embed="rId2"/>
+          <a:stretch>
+            <a:fillRect/>
+          </a:stretch>
+        </p:blipFill>
+        <p:spPr>
+          <a:xfrm>
+            <a:off x="430781" y="571500"/>
+            <a:ext cx="3753591" cy="2646280"/>
+          </a:xfrm>
+          <a:prstGeom prst="rect">
+            <a:avLst/>
+          </a:prstGeom>
+        </p:spPr>
+      </p:pic>
+      <p:sp>
+        <p:nvSpPr>
+          <p:cNvPr id="6" name="Rectangle 5">
+            <a:extLst>
+              <a:ext uri="{FF2B5EF4-FFF2-40B4-BE49-F238E27FC236}">
+                <a16:creationId xmlns:a16="http://schemas.microsoft.com/office/drawing/2014/main" id="{0785A40A-5B6F-5341-8638-0E07B161763D}"/>
+              </a:ext>
+            </a:extLst>
+          </p:cNvPr>
+          <p:cNvSpPr/>
+          <p:nvPr/>
+        </p:nvSpPr>
+        <p:spPr>
+          <a:xfrm>
+            <a:off x="-125730" y="109835"/>
+            <a:ext cx="2846070" cy="461665"/>
+          </a:xfrm>
+          <a:prstGeom prst="rect">
+            <a:avLst/>
+          </a:prstGeom>
+        </p:spPr>
+        <p:txBody>
+          <a:bodyPr wrap="square">
+            <a:spAutoFit/>
+          </a:bodyPr>
+          <a:lstStyle/>
+          <a:p>
+            <a:pPr lvl="1"/>
+            <a:r>
+              <a:rPr lang="en-US" sz="2400" dirty="0"/>
+              <a:t>Create databases</a:t>
+            </a:r>
+          </a:p>
+        </p:txBody>
+      </p:sp>
+      <p:grpSp>
+        <p:nvGrpSpPr>
+          <p:cNvPr id="7" name="Group 6">
+            <a:extLst>
+              <a:ext uri="{FF2B5EF4-FFF2-40B4-BE49-F238E27FC236}">
+                <a16:creationId xmlns:a16="http://schemas.microsoft.com/office/drawing/2014/main" id="{BA6E09FD-E0A5-5640-ADC7-6582BD0A97A7}"/>
+              </a:ext>
+            </a:extLst>
+          </p:cNvPr>
+          <p:cNvGrpSpPr/>
+          <p:nvPr/>
+        </p:nvGrpSpPr>
+        <p:grpSpPr>
+          <a:xfrm>
+            <a:off x="-125730" y="4112110"/>
+            <a:ext cx="4538703" cy="1270660"/>
+            <a:chOff x="-125730" y="4112110"/>
+            <a:chExt cx="4538703" cy="1270660"/>
+          </a:xfrm>
+        </p:grpSpPr>
+        <p:pic>
+          <p:nvPicPr>
+            <p:cNvPr id="4" name="Picture 3">
+              <a:extLst>
+                <a:ext uri="{FF2B5EF4-FFF2-40B4-BE49-F238E27FC236}">
+                  <a16:creationId xmlns:a16="http://schemas.microsoft.com/office/drawing/2014/main" id="{3BC33A89-0794-404A-B097-91F6673DA1EF}"/>
+                </a:ext>
+              </a:extLst>
+            </p:cNvPr>
+            <p:cNvPicPr>
+              <a:picLocks noChangeAspect="1"/>
+            </p:cNvPicPr>
+            <p:nvPr/>
+          </p:nvPicPr>
+          <p:blipFill>
+            <a:blip r:embed="rId3"/>
+            <a:stretch>
+              <a:fillRect/>
+            </a:stretch>
+          </p:blipFill>
+          <p:spPr>
+            <a:xfrm>
+              <a:off x="342900" y="4639982"/>
+              <a:ext cx="4070073" cy="742788"/>
+            </a:xfrm>
+            <a:prstGeom prst="rect">
+              <a:avLst/>
+            </a:prstGeom>
+          </p:spPr>
+        </p:pic>
+        <p:sp>
+          <p:nvSpPr>
+            <p:cNvPr id="18" name="Rectangle 17">
+              <a:extLst>
+                <a:ext uri="{FF2B5EF4-FFF2-40B4-BE49-F238E27FC236}">
+                  <a16:creationId xmlns:a16="http://schemas.microsoft.com/office/drawing/2014/main" id="{9B2F7B20-F4DB-2C42-AEB2-77F86B0B20B0}"/>
+                </a:ext>
+              </a:extLst>
+            </p:cNvPr>
+            <p:cNvSpPr/>
+            <p:nvPr/>
+          </p:nvSpPr>
+          <p:spPr>
+            <a:xfrm>
+              <a:off x="-125730" y="4112110"/>
+              <a:ext cx="2846070" cy="461665"/>
+            </a:xfrm>
+            <a:prstGeom prst="rect">
+              <a:avLst/>
+            </a:prstGeom>
+          </p:spPr>
+          <p:txBody>
+            <a:bodyPr wrap="square">
+              <a:spAutoFit/>
+            </a:bodyPr>
+            <a:lstStyle/>
+            <a:p>
+              <a:pPr lvl="1"/>
+              <a:r>
+                <a:rPr lang="en-US" sz="2400" dirty="0"/>
+                <a:t>Create tables</a:t>
+              </a:r>
+            </a:p>
+          </p:txBody>
+        </p:sp>
+      </p:grpSp>
+      <p:grpSp>
+        <p:nvGrpSpPr>
+          <p:cNvPr id="8" name="Group 7">
+            <a:extLst>
+              <a:ext uri="{FF2B5EF4-FFF2-40B4-BE49-F238E27FC236}">
+                <a16:creationId xmlns:a16="http://schemas.microsoft.com/office/drawing/2014/main" id="{19380BA2-1A1C-E74D-BA77-7B21659E6F09}"/>
+              </a:ext>
+            </a:extLst>
+          </p:cNvPr>
+          <p:cNvGrpSpPr/>
+          <p:nvPr/>
+        </p:nvGrpSpPr>
+        <p:grpSpPr>
+          <a:xfrm>
+            <a:off x="4184372" y="1648369"/>
+            <a:ext cx="4616728" cy="2925406"/>
+            <a:chOff x="4184372" y="1648369"/>
+            <a:chExt cx="4616728" cy="2925406"/>
+          </a:xfrm>
+        </p:grpSpPr>
+        <p:pic>
+          <p:nvPicPr>
+            <p:cNvPr id="5" name="Picture 4">
+              <a:extLst>
+                <a:ext uri="{FF2B5EF4-FFF2-40B4-BE49-F238E27FC236}">
+                  <a16:creationId xmlns:a16="http://schemas.microsoft.com/office/drawing/2014/main" id="{7CCA0127-7F00-AB49-AD74-6202F694E841}"/>
+                </a:ext>
+              </a:extLst>
+            </p:cNvPr>
+            <p:cNvPicPr>
+              <a:picLocks noChangeAspect="1"/>
+            </p:cNvPicPr>
+            <p:nvPr/>
+          </p:nvPicPr>
+          <p:blipFill>
+            <a:blip r:embed="rId4"/>
+            <a:stretch>
+              <a:fillRect/>
+            </a:stretch>
+          </p:blipFill>
+          <p:spPr>
+            <a:xfrm>
+              <a:off x="4731027" y="2192784"/>
+              <a:ext cx="4070073" cy="2380991"/>
+            </a:xfrm>
+            <a:prstGeom prst="rect">
+              <a:avLst/>
+            </a:prstGeom>
+          </p:spPr>
+        </p:pic>
+        <p:sp>
+          <p:nvSpPr>
+            <p:cNvPr id="21" name="Rectangle 20">
+              <a:extLst>
+                <a:ext uri="{FF2B5EF4-FFF2-40B4-BE49-F238E27FC236}">
+                  <a16:creationId xmlns:a16="http://schemas.microsoft.com/office/drawing/2014/main" id="{A92FFE08-6331-4A45-A0C0-4045274436B4}"/>
+                </a:ext>
+              </a:extLst>
+            </p:cNvPr>
+            <p:cNvSpPr/>
+            <p:nvPr/>
+          </p:nvSpPr>
+          <p:spPr>
+            <a:xfrm>
+              <a:off x="4184372" y="1648369"/>
+              <a:ext cx="2846070" cy="461665"/>
+            </a:xfrm>
+            <a:prstGeom prst="rect">
+              <a:avLst/>
+            </a:prstGeom>
+          </p:spPr>
+          <p:txBody>
+            <a:bodyPr wrap="square">
+              <a:spAutoFit/>
+            </a:bodyPr>
+            <a:lstStyle/>
+            <a:p>
+              <a:pPr lvl="1"/>
+              <a:r>
+                <a:rPr lang="en-US" sz="2400" dirty="0"/>
+                <a:t>Insert data</a:t>
+              </a:r>
+            </a:p>
+          </p:txBody>
+        </p:sp>
+      </p:grpSp>
+      <p:sp>
+        <p:nvSpPr>
+          <p:cNvPr id="9" name="Rectangle 8">
+            <a:extLst>
+              <a:ext uri="{FF2B5EF4-FFF2-40B4-BE49-F238E27FC236}">
+                <a16:creationId xmlns:a16="http://schemas.microsoft.com/office/drawing/2014/main" id="{6614566C-9AE3-5642-9FC0-2B6D500A9EFA}"/>
+              </a:ext>
+            </a:extLst>
+          </p:cNvPr>
+          <p:cNvSpPr/>
+          <p:nvPr/>
+        </p:nvSpPr>
+        <p:spPr>
+          <a:xfrm>
+            <a:off x="4309110" y="5011376"/>
+            <a:ext cx="4572000" cy="1200329"/>
+          </a:xfrm>
+          <a:prstGeom prst="rect">
+            <a:avLst/>
+          </a:prstGeom>
+        </p:spPr>
+        <p:txBody>
+          <a:bodyPr>
+            <a:spAutoFit/>
+          </a:bodyPr>
+          <a:lstStyle/>
+          <a:p>
+            <a:pPr marL="800100" lvl="1" indent="-342900">
+              <a:buFont typeface="Arial" panose="020B0604020202020204" pitchFamily="34" charset="0"/>
+              <a:buChar char="•"/>
+            </a:pPr>
+            <a:r>
+              <a:rPr lang="en-US" sz="2400" dirty="0"/>
+              <a:t>Update data</a:t>
+            </a:r>
+          </a:p>
+          <a:p>
+            <a:pPr marL="800100" lvl="1" indent="-342900">
+              <a:buFont typeface="Arial" panose="020B0604020202020204" pitchFamily="34" charset="0"/>
+              <a:buChar char="•"/>
+            </a:pPr>
+            <a:r>
+              <a:rPr lang="en-US" sz="2400" dirty="0"/>
+              <a:t>Delete data</a:t>
+            </a:r>
+          </a:p>
+          <a:p>
+            <a:pPr marL="800100" lvl="1" indent="-342900">
+              <a:buFont typeface="Arial" panose="020B0604020202020204" pitchFamily="34" charset="0"/>
+              <a:buChar char="•"/>
+            </a:pPr>
+            <a:r>
+              <a:rPr lang="en-US" sz="2400" dirty="0"/>
+              <a:t>Drop the table</a:t>
+            </a:r>
+          </a:p>
+        </p:txBody>
+      </p:sp>
+    </p:spTree>
+    <p:extLst>
+      <p:ext uri="{BB962C8B-B14F-4D97-AF65-F5344CB8AC3E}">
+        <p14:creationId xmlns:p14="http://schemas.microsoft.com/office/powerpoint/2010/main" val="1989733079"/>
+      </p:ext>
+    </p:extLst>
+  </p:cSld>
+  <p:clrMapOvr>
+    <a:masterClrMapping/>
+  </p:clrMapOvr>
+  <p:timing>
+    <p:tnLst>
+      <p:par>
+        <p:cTn id="1" dur="indefinite" restart="never" nodeType="tmRoot">
+          <p:childTnLst>
+            <p:seq concurrent="1" nextAc="seek">
+              <p:cTn id="2" dur="indefinite" nodeType="mainSeq">
+                <p:childTnLst>
+                  <p:par>
+                    <p:cTn id="3" fill="hold">
+                      <p:stCondLst>
+                        <p:cond delay="indefinite"/>
+                      </p:stCondLst>
+                      <p:childTnLst>
+                        <p:par>
+                          <p:cTn id="4" fill="hold">
+                            <p:stCondLst>
+                              <p:cond delay="0"/>
+                            </p:stCondLst>
+                            <p:childTnLst>
+                              <p:par>
+                                <p:cTn id="5" presetID="2" presetClass="entr" presetSubtype="4" fill="hold" nodeType="clickEffect">
+                                  <p:stCondLst>
+                                    <p:cond delay="0"/>
+                                  </p:stCondLst>
+                                  <p:childTnLst>
+                                    <p:set>
+                                      <p:cBhvr>
+                                        <p:cTn id="6" dur="1" fill="hold">
+                                          <p:stCondLst>
+                                            <p:cond delay="0"/>
+                                          </p:stCondLst>
+                                        </p:cTn>
+                                        <p:tgtEl>
+                                          <p:spTgt spid="7"/>
+                                        </p:tgtEl>
+                                        <p:attrNameLst>
+                                          <p:attrName>style.visibility</p:attrName>
+                                        </p:attrNameLst>
+                                      </p:cBhvr>
+                                      <p:to>
+                                        <p:strVal val="visible"/>
+                                      </p:to>
+                                    </p:set>
+                                    <p:anim calcmode="lin" valueType="num">
+                                      <p:cBhvr additive="base">
+                                        <p:cTn id="7" dur="500" fill="hold"/>
+                                        <p:tgtEl>
+                                          <p:spTgt spid="7"/>
+                                        </p:tgtEl>
+                                        <p:attrNameLst>
+                                          <p:attrName>ppt_x</p:attrName>
+                                        </p:attrNameLst>
+                                      </p:cBhvr>
+                                      <p:tavLst>
+                                        <p:tav tm="0">
+                                          <p:val>
+                                            <p:strVal val="#ppt_x"/>
+                                          </p:val>
+                                        </p:tav>
+                                        <p:tav tm="100000">
+                                          <p:val>
+                                            <p:strVal val="#ppt_x"/>
+                                          </p:val>
+                                        </p:tav>
+                                      </p:tavLst>
+                                    </p:anim>
+                                    <p:anim calcmode="lin" valueType="num">
+                                      <p:cBhvr additive="base">
+                                        <p:cTn id="8" dur="500" fill="hold"/>
+                                        <p:tgtEl>
+                                          <p:spTgt spid="7"/>
+                                        </p:tgtEl>
+                                        <p:attrNameLst>
+                                          <p:attrName>ppt_y</p:attrName>
+                                        </p:attrNameLst>
+                                      </p:cBhvr>
+                                      <p:tavLst>
+                                        <p:tav tm="0">
+                                          <p:val>
+                                            <p:strVal val="1+#ppt_h/2"/>
+                                          </p:val>
+                                        </p:tav>
+                                        <p:tav tm="100000">
+                                          <p:val>
+                                            <p:strVal val="#ppt_y"/>
+                                          </p:val>
+                                        </p:tav>
+                                      </p:tavLst>
+                                    </p:anim>
+                                  </p:childTnLst>
+                                </p:cTn>
+                              </p:par>
+                            </p:childTnLst>
+                          </p:cTn>
+                        </p:par>
+                      </p:childTnLst>
+                    </p:cTn>
+                  </p:par>
+                  <p:par>
+                    <p:cTn id="9" fill="hold">
+                      <p:stCondLst>
+                        <p:cond delay="indefinite"/>
+                      </p:stCondLst>
+                      <p:childTnLst>
+                        <p:par>
+                          <p:cTn id="10" fill="hold">
+                            <p:stCondLst>
+                              <p:cond delay="0"/>
+                            </p:stCondLst>
+                            <p:childTnLst>
+                              <p:par>
+                                <p:cTn id="11" presetID="2" presetClass="entr" presetSubtype="4" fill="hold" nodeType="clickEffect">
+                                  <p:stCondLst>
+                                    <p:cond delay="0"/>
+                                  </p:stCondLst>
+                                  <p:childTnLst>
+                                    <p:set>
+                                      <p:cBhvr>
+                                        <p:cTn id="12" dur="1" fill="hold">
+                                          <p:stCondLst>
+                                            <p:cond delay="0"/>
+                                          </p:stCondLst>
+                                        </p:cTn>
+                                        <p:tgtEl>
+                                          <p:spTgt spid="8"/>
+                                        </p:tgtEl>
+                                        <p:attrNameLst>
+                                          <p:attrName>style.visibility</p:attrName>
+                                        </p:attrNameLst>
+                                      </p:cBhvr>
+                                      <p:to>
+                                        <p:strVal val="visible"/>
+                                      </p:to>
+                                    </p:set>
+                                    <p:anim calcmode="lin" valueType="num">
+                                      <p:cBhvr additive="base">
+                                        <p:cTn id="13" dur="500" fill="hold"/>
+                                        <p:tgtEl>
+                                          <p:spTgt spid="8"/>
+                                        </p:tgtEl>
+                                        <p:attrNameLst>
+                                          <p:attrName>ppt_x</p:attrName>
+                                        </p:attrNameLst>
+                                      </p:cBhvr>
+                                      <p:tavLst>
+                                        <p:tav tm="0">
+                                          <p:val>
+                                            <p:strVal val="#ppt_x"/>
+                                          </p:val>
+                                        </p:tav>
+                                        <p:tav tm="100000">
+                                          <p:val>
+                                            <p:strVal val="#ppt_x"/>
+                                          </p:val>
+                                        </p:tav>
+                                      </p:tavLst>
+                                    </p:anim>
+                                    <p:anim calcmode="lin" valueType="num">
+                                      <p:cBhvr additive="base">
+                                        <p:cTn id="14" dur="500" fill="hold"/>
+                                        <p:tgtEl>
+                                          <p:spTgt spid="8"/>
+                                        </p:tgtEl>
+                                        <p:attrNameLst>
+                                          <p:attrName>ppt_y</p:attrName>
+                                        </p:attrNameLst>
+                                      </p:cBhvr>
+                                      <p:tavLst>
+                                        <p:tav tm="0">
+                                          <p:val>
+                                            <p:strVal val="1+#ppt_h/2"/>
+                                          </p:val>
+                                        </p:tav>
+                                        <p:tav tm="100000">
+                                          <p:val>
+                                            <p:strVal val="#ppt_y"/>
+                                          </p:val>
+                                        </p:tav>
+                                      </p:tavLst>
+                                    </p:anim>
+                                  </p:childTnLst>
+                                </p:cTn>
+                              </p:par>
+                            </p:childTnLst>
+                          </p:cTn>
+                        </p:par>
+                      </p:childTnLst>
+                    </p:cTn>
+                  </p:par>
+                  <p:par>
+                    <p:cTn id="15" fill="hold">
+                      <p:stCondLst>
+                        <p:cond delay="indefinite"/>
+                      </p:stCondLst>
+                      <p:childTnLst>
+                        <p:par>
+                          <p:cTn id="16" fill="hold">
+                            <p:stCondLst>
+                              <p:cond delay="0"/>
+                            </p:stCondLst>
+                            <p:childTnLst>
+                              <p:par>
+                                <p:cTn id="17" presetID="2" presetClass="entr" presetSubtype="4" fill="hold" grpId="0" nodeType="clickEffect">
+                                  <p:stCondLst>
+                                    <p:cond delay="0"/>
+                                  </p:stCondLst>
+                                  <p:childTnLst>
+                                    <p:set>
+                                      <p:cBhvr>
+                                        <p:cTn id="18" dur="1" fill="hold">
+                                          <p:stCondLst>
+                                            <p:cond delay="0"/>
+                                          </p:stCondLst>
+                                        </p:cTn>
+                                        <p:tgtEl>
+                                          <p:spTgt spid="9"/>
+                                        </p:tgtEl>
+                                        <p:attrNameLst>
+                                          <p:attrName>style.visibility</p:attrName>
+                                        </p:attrNameLst>
+                                      </p:cBhvr>
+                                      <p:to>
+                                        <p:strVal val="visible"/>
+                                      </p:to>
+                                    </p:set>
+                                    <p:anim calcmode="lin" valueType="num">
+                                      <p:cBhvr additive="base">
+                                        <p:cTn id="19" dur="500" fill="hold"/>
+                                        <p:tgtEl>
+                                          <p:spTgt spid="9"/>
+                                        </p:tgtEl>
+                                        <p:attrNameLst>
+                                          <p:attrName>ppt_x</p:attrName>
+                                        </p:attrNameLst>
+                                      </p:cBhvr>
+                                      <p:tavLst>
+                                        <p:tav tm="0">
+                                          <p:val>
+                                            <p:strVal val="#ppt_x"/>
+                                          </p:val>
+                                        </p:tav>
+                                        <p:tav tm="100000">
+                                          <p:val>
+                                            <p:strVal val="#ppt_x"/>
+                                          </p:val>
+                                        </p:tav>
+                                      </p:tavLst>
+                                    </p:anim>
+                                    <p:anim calcmode="lin" valueType="num">
+                                      <p:cBhvr additive="base">
+                                        <p:cTn id="20" dur="500" fill="hold"/>
+                                        <p:tgtEl>
+                                          <p:spTgt spid="9"/>
+                                        </p:tgtEl>
+                                        <p:attrNameLst>
+                                          <p:attrName>ppt_y</p:attrName>
+                                        </p:attrNameLst>
+                                      </p:cBhvr>
+                                      <p:tavLst>
+                                        <p:tav tm="0">
+                                          <p:val>
+                                            <p:strVal val="1+#ppt_h/2"/>
+                                          </p:val>
+                                        </p:tav>
+                                        <p:tav tm="100000">
+                                          <p:val>
+                                            <p:strVal val="#ppt_y"/>
+                                          </p:val>
+                                        </p:tav>
+                                      </p:tavLst>
+                                    </p:anim>
+                                  </p:childTnLst>
+                                </p:cTn>
+                              </p:par>
+                            </p:childTnLst>
+                          </p:cTn>
+                        </p:par>
+                      </p:childTnLst>
+                    </p:cTn>
+                  </p:par>
+                </p:childTnLst>
+              </p:cTn>
+              <p:prevCondLst>
+                <p:cond evt="onPrev" delay="0">
+                  <p:tgtEl>
+                    <p:sldTgt/>
+                  </p:tgtEl>
+                </p:cond>
+              </p:prevCondLst>
+              <p:nextCondLst>
+                <p:cond evt="onNext" delay="0">
+                  <p:tgtEl>
+                    <p:sldTgt/>
+                  </p:tgtEl>
+                </p:cond>
+              </p:nextCondLst>
+            </p:seq>
+          </p:childTnLst>
+        </p:cTn>
+      </p:par>
+    </p:tnLst>
+    <p:bldLst>
+      <p:bldP spid="9" grpId="0"/>
+    </p:bldLst>
+  </p:timing>
+</p:sld>
+</file>
+
+<file path=ppt/slides/slide16.xml><?xml version="1.0" encoding="utf-8"?>
+<p:sld xmlns:a="http://schemas.openxmlformats.org/drawingml/2006/main" xmlns:r="http://schemas.openxmlformats.org/officeDocument/2006/relationships" xmlns:p="http://schemas.openxmlformats.org/presentationml/2006/main">
+  <p:cSld>
+    <p:spTree>
+      <p:nvGrpSpPr>
+        <p:cNvPr id="1" name=""/>
+        <p:cNvGrpSpPr/>
+        <p:nvPr/>
+      </p:nvGrpSpPr>
+      <p:grpSpPr>
+        <a:xfrm>
+          <a:off x="0" y="0"/>
+          <a:ext cx="0" cy="0"/>
+          <a:chOff x="0" y="0"/>
+          <a:chExt cx="0" cy="0"/>
+        </a:xfrm>
+      </p:grpSpPr>
+      <p:sp>
+        <p:nvSpPr>
           <p:cNvPr id="2" name="Title 1"/>
           <p:cNvSpPr>
             <a:spLocks noGrp="1"/>
@@ -5123,7 +6090,7 @@
           <a:p>
             <a:fld id="{AE04BB3B-7A3C-3E4C-B0E2-543257794554}" type="slidenum">
               <a:rPr lang="en-US" smtClean="0"/>
-              <a:t>14</a:t>
+              <a:t>16</a:t>
             </a:fld>
             <a:endParaRPr lang="en-US"/>
           </a:p>
@@ -5246,7 +6213,7 @@
 </p:sld>
 </file>
 
-<file path=ppt/slides/slide15.xml><?xml version="1.0" encoding="utf-8"?>
+<file path=ppt/slides/slide17.xml><?xml version="1.0" encoding="utf-8"?>
 <p:sld xmlns:a="http://schemas.openxmlformats.org/drawingml/2006/main" xmlns:r="http://schemas.openxmlformats.org/officeDocument/2006/relationships" xmlns:p="http://schemas.openxmlformats.org/presentationml/2006/main">
   <p:cSld>
     <p:spTree>
@@ -5324,7 +6291,7 @@
           <a:p>
             <a:fld id="{AE04BB3B-7A3C-3E4C-B0E2-543257794554}" type="slidenum">
               <a:rPr lang="en-US" smtClean="0"/>
-              <a:t>15</a:t>
+              <a:t>17</a:t>
             </a:fld>
             <a:endParaRPr lang="en-US"/>
           </a:p>
@@ -5368,7 +6335,11 @@
             <a:pPr lvl="1"/>
             <a:r>
               <a:rPr lang="en-US" sz="2400" dirty="0"/>
-              <a:t>By default port 80 is used, but if you apache is configured to listen to a different port, then add appropriate port number as well, e.g. localhost:8888/test1.html</a:t>
+              <a:t>By default port 80 is used, but if you apache is configured to listen to a different port, then add appropriate port number as well, e.g. </a:t>
+            </a:r>
+            <a:r>
+              <a:rPr lang="en-US" sz="2400" b="1" u="sng" dirty="0"/>
+              <a:t>localhost:8888/test1.html</a:t>
             </a:r>
           </a:p>
           <a:p>
@@ -5413,7 +6384,7 @@
 </p:sld>
 </file>
 
-<file path=ppt/slides/slide16.xml><?xml version="1.0" encoding="utf-8"?>
+<file path=ppt/slides/slide18.xml><?xml version="1.0" encoding="utf-8"?>
 <p:sld xmlns:a="http://schemas.openxmlformats.org/drawingml/2006/main" xmlns:r="http://schemas.openxmlformats.org/officeDocument/2006/relationships" xmlns:p="http://schemas.openxmlformats.org/presentationml/2006/main">
   <p:cSld>
     <p:spTree>
@@ -5491,7 +6462,7 @@
           <a:p>
             <a:fld id="{AE04BB3B-7A3C-3E4C-B0E2-543257794554}" type="slidenum">
               <a:rPr lang="en-US" smtClean="0"/>
-              <a:t>16</a:t>
+              <a:t>18</a:t>
             </a:fld>
             <a:endParaRPr lang="en-US"/>
           </a:p>
@@ -5594,7 +6565,7 @@
 </p:sld>
 </file>
 
-<file path=ppt/slides/slide17.xml><?xml version="1.0" encoding="utf-8"?>
+<file path=ppt/slides/slide19.xml><?xml version="1.0" encoding="utf-8"?>
 <p:sld xmlns:a="http://schemas.openxmlformats.org/drawingml/2006/main" xmlns:r="http://schemas.openxmlformats.org/officeDocument/2006/relationships" xmlns:p="http://schemas.openxmlformats.org/presentationml/2006/main">
   <p:cSld>
     <p:spTree>
@@ -5672,7 +6643,7 @@
           <a:p>
             <a:fld id="{AE04BB3B-7A3C-3E4C-B0E2-543257794554}" type="slidenum">
               <a:rPr lang="en-US" smtClean="0"/>
-              <a:t>17</a:t>
+              <a:t>19</a:t>
             </a:fld>
             <a:endParaRPr lang="en-US" dirty="0"/>
           </a:p>
@@ -5715,7 +6686,7 @@
 </p:sld>
 </file>
 
-<file path=ppt/slides/slide18.xml><?xml version="1.0" encoding="utf-8"?>
+<file path=ppt/slides/slide2.xml><?xml version="1.0" encoding="utf-8"?>
 <p:sld xmlns:a="http://schemas.openxmlformats.org/drawingml/2006/main" xmlns:r="http://schemas.openxmlformats.org/officeDocument/2006/relationships" xmlns:p="http://schemas.openxmlformats.org/presentationml/2006/main">
   <p:cSld>
     <p:spTree>
@@ -5749,6 +6720,134 @@
           <a:p>
             <a:r>
               <a:rPr lang="en-US" dirty="0"/>
+              <a:t>Outline</a:t>
+            </a:r>
+          </a:p>
+        </p:txBody>
+      </p:sp>
+      <p:sp>
+        <p:nvSpPr>
+          <p:cNvPr id="3" name="Content Placeholder 2"/>
+          <p:cNvSpPr>
+            <a:spLocks noGrp="1"/>
+          </p:cNvSpPr>
+          <p:nvPr>
+            <p:ph idx="1"/>
+          </p:nvPr>
+        </p:nvSpPr>
+        <p:spPr>
+          <a:xfrm>
+            <a:off x="822960" y="1737361"/>
+            <a:ext cx="7543801" cy="4467980"/>
+          </a:xfrm>
+        </p:spPr>
+        <p:txBody>
+          <a:bodyPr>
+            <a:noAutofit/>
+          </a:bodyPr>
+          <a:lstStyle/>
+          <a:p>
+            <a:r>
+              <a:rPr lang="en-US" sz="2400" b="1" dirty="0"/>
+              <a:t>Three software products</a:t>
+            </a:r>
+          </a:p>
+          <a:p>
+            <a:pPr lvl="1"/>
+            <a:r>
+              <a:rPr lang="en-US" sz="2400" dirty="0"/>
+              <a:t>Why do we need 3 different software products?</a:t>
+            </a:r>
+          </a:p>
+          <a:p>
+            <a:pPr lvl="1"/>
+            <a:endParaRPr lang="en-US" sz="2400" dirty="0"/>
+          </a:p>
+          <a:p>
+            <a:r>
+              <a:rPr lang="en-US" sz="2400" b="1" dirty="0"/>
+              <a:t>Create Web page</a:t>
+            </a:r>
+          </a:p>
+          <a:p>
+            <a:pPr lvl="1"/>
+            <a:r>
+              <a:rPr lang="en-US" sz="2400" dirty="0"/>
+              <a:t>MySQL workbench / phpMyAdmin</a:t>
+            </a:r>
+          </a:p>
+          <a:p>
+            <a:pPr lvl="1"/>
+            <a:r>
+              <a:rPr lang="en-US" sz="2400" dirty="0"/>
+              <a:t>Static web page</a:t>
+            </a:r>
+          </a:p>
+          <a:p>
+            <a:pPr lvl="1"/>
+            <a:r>
+              <a:rPr lang="en-US" sz="2400" dirty="0"/>
+              <a:t>Dynamic web page</a:t>
+            </a:r>
+          </a:p>
+          <a:p>
+            <a:r>
+              <a:rPr lang="en-US" sz="2400" b="1" dirty="0"/>
+              <a:t>Class exercise</a:t>
+            </a:r>
+          </a:p>
+          <a:p>
+            <a:endParaRPr lang="en-US" sz="2800" dirty="0"/>
+          </a:p>
+        </p:txBody>
+      </p:sp>
+    </p:spTree>
+    <p:extLst>
+      <p:ext uri="{BB962C8B-B14F-4D97-AF65-F5344CB8AC3E}">
+        <p14:creationId xmlns:p14="http://schemas.microsoft.com/office/powerpoint/2010/main" val="1360968135"/>
+      </p:ext>
+    </p:extLst>
+  </p:cSld>
+  <p:clrMapOvr>
+    <a:masterClrMapping/>
+  </p:clrMapOvr>
+</p:sld>
+</file>
+
+<file path=ppt/slides/slide20.xml><?xml version="1.0" encoding="utf-8"?>
+<p:sld xmlns:a="http://schemas.openxmlformats.org/drawingml/2006/main" xmlns:r="http://schemas.openxmlformats.org/officeDocument/2006/relationships" xmlns:p="http://schemas.openxmlformats.org/presentationml/2006/main">
+  <p:cSld>
+    <p:spTree>
+      <p:nvGrpSpPr>
+        <p:cNvPr id="1" name=""/>
+        <p:cNvGrpSpPr/>
+        <p:nvPr/>
+      </p:nvGrpSpPr>
+      <p:grpSpPr>
+        <a:xfrm>
+          <a:off x="0" y="0"/>
+          <a:ext cx="0" cy="0"/>
+          <a:chOff x="0" y="0"/>
+          <a:chExt cx="0" cy="0"/>
+        </a:xfrm>
+      </p:grpSpPr>
+      <p:sp>
+        <p:nvSpPr>
+          <p:cNvPr id="2" name="Title 1"/>
+          <p:cNvSpPr>
+            <a:spLocks noGrp="1"/>
+          </p:cNvSpPr>
+          <p:nvPr>
+            <p:ph type="title"/>
+          </p:nvPr>
+        </p:nvSpPr>
+        <p:spPr/>
+        <p:txBody>
+          <a:bodyPr/>
+          <a:lstStyle/>
+          <a:p>
+            <a:r>
+              <a:rPr lang="en-US" dirty="0"/>
               <a:t>3 - Dynamic web page</a:t>
             </a:r>
           </a:p>
@@ -5793,7 +6892,7 @@
           <a:p>
             <a:fld id="{AE04BB3B-7A3C-3E4C-B0E2-543257794554}" type="slidenum">
               <a:rPr lang="en-US" smtClean="0"/>
-              <a:t>18</a:t>
+              <a:t>20</a:t>
             </a:fld>
             <a:endParaRPr lang="en-US"/>
           </a:p>
@@ -5857,6 +6956,57 @@
           </a:prstGeom>
         </p:spPr>
       </p:pic>
+      <p:sp>
+        <p:nvSpPr>
+          <p:cNvPr id="7" name="TextBox 6">
+            <a:extLst>
+              <a:ext uri="{FF2B5EF4-FFF2-40B4-BE49-F238E27FC236}">
+                <a16:creationId xmlns:a16="http://schemas.microsoft.com/office/drawing/2014/main" id="{8C1F4FAF-A59E-A245-A62E-621434DB15D4}"/>
+              </a:ext>
+            </a:extLst>
+          </p:cNvPr>
+          <p:cNvSpPr txBox="1"/>
+          <p:nvPr/>
+        </p:nvSpPr>
+        <p:spPr>
+          <a:xfrm>
+            <a:off x="3348990" y="6046470"/>
+            <a:ext cx="1368965" cy="369332"/>
+          </a:xfrm>
+          <a:prstGeom prst="rect">
+            <a:avLst/>
+          </a:prstGeom>
+          <a:noFill/>
+        </p:spPr>
+        <p:txBody>
+          <a:bodyPr wrap="none" rtlCol="0">
+            <a:spAutoFit/>
+          </a:bodyPr>
+          <a:lstStyle/>
+          <a:p>
+            <a:r>
+              <a:rPr lang="en-US" dirty="0">
+                <a:solidFill>
+                  <a:srgbClr val="FF0000"/>
+                </a:solidFill>
+              </a:rPr>
+              <a:t>All</a:t>
+            </a:r>
+            <a:r>
+              <a:rPr lang="en-US" dirty="0"/>
+              <a:t> </a:t>
+            </a:r>
+            <a:r>
+              <a:rPr lang="en-US" dirty="0">
+                <a:solidFill>
+                  <a:srgbClr val="FF0000"/>
+                </a:solidFill>
+              </a:rPr>
+              <a:t>privileges</a:t>
+            </a:r>
+          </a:p>
+        </p:txBody>
+      </p:sp>
     </p:spTree>
     <p:extLst>
       <p:ext uri="{BB962C8B-B14F-4D97-AF65-F5344CB8AC3E}">
@@ -5870,7 +7020,7 @@
 </p:sld>
 </file>
 
-<file path=ppt/slides/slide19.xml><?xml version="1.0" encoding="utf-8"?>
+<file path=ppt/slides/slide21.xml><?xml version="1.0" encoding="utf-8"?>
 <p:sld xmlns:a="http://schemas.openxmlformats.org/drawingml/2006/main" xmlns:r="http://schemas.openxmlformats.org/officeDocument/2006/relationships" xmlns:p="http://schemas.openxmlformats.org/presentationml/2006/main">
   <p:cSld>
     <p:spTree>
@@ -6003,7 +7153,7 @@
           <a:p>
             <a:fld id="{AE04BB3B-7A3C-3E4C-B0E2-543257794554}" type="slidenum">
               <a:rPr lang="en-US" smtClean="0"/>
-              <a:t>19</a:t>
+              <a:t>21</a:t>
             </a:fld>
             <a:endParaRPr lang="en-US"/>
           </a:p>
@@ -6046,136 +7196,7 @@
 </p:sld>
 </file>
 
-<file path=ppt/slides/slide2.xml><?xml version="1.0" encoding="utf-8"?>
-<p:sld xmlns:a="http://schemas.openxmlformats.org/drawingml/2006/main" xmlns:r="http://schemas.openxmlformats.org/officeDocument/2006/relationships" xmlns:p="http://schemas.openxmlformats.org/presentationml/2006/main">
-  <p:cSld>
-    <p:spTree>
-      <p:nvGrpSpPr>
-        <p:cNvPr id="1" name=""/>
-        <p:cNvGrpSpPr/>
-        <p:nvPr/>
-      </p:nvGrpSpPr>
-      <p:grpSpPr>
-        <a:xfrm>
-          <a:off x="0" y="0"/>
-          <a:ext cx="0" cy="0"/>
-          <a:chOff x="0" y="0"/>
-          <a:chExt cx="0" cy="0"/>
-        </a:xfrm>
-      </p:grpSpPr>
-      <p:sp>
-        <p:nvSpPr>
-          <p:cNvPr id="2" name="Title 1"/>
-          <p:cNvSpPr>
-            <a:spLocks noGrp="1"/>
-          </p:cNvSpPr>
-          <p:nvPr>
-            <p:ph type="title"/>
-          </p:nvPr>
-        </p:nvSpPr>
-        <p:spPr/>
-        <p:txBody>
-          <a:bodyPr/>
-          <a:lstStyle/>
-          <a:p>
-            <a:r>
-              <a:rPr lang="en-US" dirty="0"/>
-              <a:t>Outline</a:t>
-            </a:r>
-          </a:p>
-        </p:txBody>
-      </p:sp>
-      <p:sp>
-        <p:nvSpPr>
-          <p:cNvPr id="3" name="Content Placeholder 2"/>
-          <p:cNvSpPr>
-            <a:spLocks noGrp="1"/>
-          </p:cNvSpPr>
-          <p:nvPr>
-            <p:ph idx="1"/>
-          </p:nvPr>
-        </p:nvSpPr>
-        <p:spPr>
-          <a:xfrm>
-            <a:off x="822960" y="1737361"/>
-            <a:ext cx="7543801" cy="4467980"/>
-          </a:xfrm>
-        </p:spPr>
-        <p:txBody>
-          <a:bodyPr>
-            <a:noAutofit/>
-          </a:bodyPr>
-          <a:lstStyle/>
-          <a:p>
-            <a:r>
-              <a:rPr lang="en-US" sz="2800" dirty="0"/>
-              <a:t>Three software products</a:t>
-            </a:r>
-          </a:p>
-          <a:p>
-            <a:pPr lvl="1"/>
-            <a:r>
-              <a:rPr lang="en-US" sz="2600" dirty="0"/>
-              <a:t>Why do we need 3 different software products?</a:t>
-            </a:r>
-          </a:p>
-          <a:p>
-            <a:pPr lvl="1"/>
-            <a:r>
-              <a:rPr lang="en-US" sz="2600" dirty="0"/>
-              <a:t>MySQL workbench / </a:t>
-            </a:r>
-            <a:r>
-              <a:rPr lang="en-US" sz="2600" dirty="0" err="1"/>
-              <a:t>phpMyAdmin</a:t>
-            </a:r>
-            <a:endParaRPr lang="en-US" sz="2600" dirty="0"/>
-          </a:p>
-          <a:p>
-            <a:r>
-              <a:rPr lang="en-US" sz="2800" dirty="0"/>
-              <a:t>Create Web page</a:t>
-            </a:r>
-          </a:p>
-          <a:p>
-            <a:pPr lvl="1"/>
-            <a:r>
-              <a:rPr lang="en-US" sz="2600" dirty="0"/>
-              <a:t>Static web page</a:t>
-            </a:r>
-          </a:p>
-          <a:p>
-            <a:pPr lvl="1"/>
-            <a:r>
-              <a:rPr lang="en-US" sz="2600" dirty="0"/>
-              <a:t>Dynamic web page</a:t>
-            </a:r>
-          </a:p>
-          <a:p>
-            <a:r>
-              <a:rPr lang="en-US" sz="2800" dirty="0"/>
-              <a:t>Class exercise</a:t>
-            </a:r>
-          </a:p>
-          <a:p>
-            <a:endParaRPr lang="en-US" sz="2800" dirty="0"/>
-          </a:p>
-        </p:txBody>
-      </p:sp>
-    </p:spTree>
-    <p:extLst>
-      <p:ext uri="{BB962C8B-B14F-4D97-AF65-F5344CB8AC3E}">
-        <p14:creationId xmlns:p14="http://schemas.microsoft.com/office/powerpoint/2010/main" val="1360968135"/>
-      </p:ext>
-    </p:extLst>
-  </p:cSld>
-  <p:clrMapOvr>
-    <a:masterClrMapping/>
-  </p:clrMapOvr>
-</p:sld>
-</file>
-
-<file path=ppt/slides/slide20.xml><?xml version="1.0" encoding="utf-8"?>
+<file path=ppt/slides/slide22.xml><?xml version="1.0" encoding="utf-8"?>
 <p:sld xmlns:a="http://schemas.openxmlformats.org/drawingml/2006/main" xmlns:r="http://schemas.openxmlformats.org/officeDocument/2006/relationships" xmlns:p="http://schemas.openxmlformats.org/presentationml/2006/main">
   <p:cSld>
     <p:spTree>
@@ -6303,7 +7324,7 @@
 </p:sld>
 </file>
 
-<file path=ppt/slides/slide21.xml><?xml version="1.0" encoding="utf-8"?>
+<file path=ppt/slides/slide23.xml><?xml version="1.0" encoding="utf-8"?>
 <p:sld xmlns:a="http://schemas.openxmlformats.org/drawingml/2006/main" xmlns:r="http://schemas.openxmlformats.org/officeDocument/2006/relationships" xmlns:p="http://schemas.openxmlformats.org/presentationml/2006/main">
   <p:cSld>
     <p:spTree>
@@ -6419,7 +7440,7 @@
           <a:p>
             <a:fld id="{AE04BB3B-7A3C-3E4C-B0E2-543257794554}" type="slidenum">
               <a:rPr lang="en-US" smtClean="0"/>
-              <a:t>21</a:t>
+              <a:t>23</a:t>
             </a:fld>
             <a:endParaRPr lang="en-US"/>
           </a:p>
@@ -6462,7 +7483,7 @@
 </p:sld>
 </file>
 
-<file path=ppt/slides/slide22.xml><?xml version="1.0" encoding="utf-8"?>
+<file path=ppt/slides/slide24.xml><?xml version="1.0" encoding="utf-8"?>
 <p:sld xmlns:a="http://schemas.openxmlformats.org/drawingml/2006/main" xmlns:r="http://schemas.openxmlformats.org/officeDocument/2006/relationships" xmlns:p="http://schemas.openxmlformats.org/presentationml/2006/main">
   <p:cSld>
     <p:spTree>
@@ -6569,7 +7590,7 @@
           <a:p>
             <a:fld id="{AE04BB3B-7A3C-3E4C-B0E2-543257794554}" type="slidenum">
               <a:rPr lang="en-US" smtClean="0"/>
-              <a:t>22</a:t>
+              <a:t>24</a:t>
             </a:fld>
             <a:endParaRPr lang="en-US"/>
           </a:p>
@@ -6612,7 +7633,7 @@
 </p:sld>
 </file>
 
-<file path=ppt/slides/slide23.xml><?xml version="1.0" encoding="utf-8"?>
+<file path=ppt/slides/slide25.xml><?xml version="1.0" encoding="utf-8"?>
 <p:sld xmlns:a="http://schemas.openxmlformats.org/drawingml/2006/main" xmlns:r="http://schemas.openxmlformats.org/officeDocument/2006/relationships" xmlns:p="http://schemas.openxmlformats.org/presentationml/2006/main">
   <p:cSld>
     <p:spTree>
@@ -6707,7 +7728,7 @@
 </p:sld>
 </file>
 
-<file path=ppt/slides/slide24.xml><?xml version="1.0" encoding="utf-8"?>
+<file path=ppt/slides/slide26.xml><?xml version="1.0" encoding="utf-8"?>
 <p:sld xmlns:a="http://schemas.openxmlformats.org/drawingml/2006/main" xmlns:r="http://schemas.openxmlformats.org/officeDocument/2006/relationships" xmlns:p="http://schemas.openxmlformats.org/presentationml/2006/main">
   <p:cSld>
     <p:spTree>
@@ -6809,7 +7830,7 @@
 </p:sld>
 </file>
 
-<file path=ppt/slides/slide25.xml><?xml version="1.0" encoding="utf-8"?>
+<file path=ppt/slides/slide27.xml><?xml version="1.0" encoding="utf-8"?>
 <p:sld xmlns:a="http://schemas.openxmlformats.org/drawingml/2006/main" xmlns:r="http://schemas.openxmlformats.org/officeDocument/2006/relationships" xmlns:p="http://schemas.openxmlformats.org/presentationml/2006/main">
   <p:cSld>
     <p:spTree>
@@ -6906,7 +7927,7 @@
 </p:sld>
 </file>
 
-<file path=ppt/slides/slide26.xml><?xml version="1.0" encoding="utf-8"?>
+<file path=ppt/slides/slide28.xml><?xml version="1.0" encoding="utf-8"?>
 <p:sld xmlns:a="http://schemas.openxmlformats.org/drawingml/2006/main" xmlns:r="http://schemas.openxmlformats.org/officeDocument/2006/relationships" xmlns:p="http://schemas.openxmlformats.org/presentationml/2006/main">
   <p:cSld>
     <p:spTree>
@@ -6978,7 +7999,7 @@
 </p:sld>
 </file>
 
-<file path=ppt/slides/slide27.xml><?xml version="1.0" encoding="utf-8"?>
+<file path=ppt/slides/slide29.xml><?xml version="1.0" encoding="utf-8"?>
 <p:sld xmlns:a="http://schemas.openxmlformats.org/drawingml/2006/main" xmlns:r="http://schemas.openxmlformats.org/officeDocument/2006/relationships" xmlns:p="http://schemas.openxmlformats.org/presentationml/2006/main">
   <p:cSld>
     <p:spTree>
@@ -7058,7 +8079,7 @@
           <a:p>
             <a:fld id="{AE04BB3B-7A3C-3E4C-B0E2-543257794554}" type="slidenum">
               <a:rPr lang="en-US" smtClean="0"/>
-              <a:t>27</a:t>
+              <a:t>29</a:t>
             </a:fld>
             <a:endParaRPr lang="en-US"/>
           </a:p>
@@ -7074,7 +8095,12 @@
             <p:ph sz="quarter" idx="1"/>
           </p:nvPr>
         </p:nvSpPr>
-        <p:spPr/>
+        <p:spPr>
+          <a:xfrm>
+            <a:off x="822959" y="1845734"/>
+            <a:ext cx="3544221" cy="4023360"/>
+          </a:xfrm>
+        </p:spPr>
         <p:txBody>
           <a:bodyPr>
             <a:noAutofit/>
@@ -7082,51 +8108,67 @@
           <a:lstStyle/>
           <a:p>
             <a:r>
-              <a:rPr lang="en-US" sz="2800" dirty="0"/>
+              <a:rPr lang="en-US" sz="1800" dirty="0"/>
               <a:t>Create a new database, call it “</a:t>
             </a:r>
             <a:r>
-              <a:rPr lang="en-US" sz="2800" dirty="0" err="1"/>
+              <a:rPr lang="en-US" sz="1800" dirty="0" err="1">
+                <a:solidFill>
+                  <a:srgbClr val="FF0000"/>
+                </a:solidFill>
+              </a:rPr>
               <a:t>lab_university</a:t>
             </a:r>
             <a:r>
-              <a:rPr lang="en-US" sz="2800" dirty="0"/>
-              <a:t>” and import the ’</a:t>
-            </a:r>
-            <a:r>
-              <a:rPr lang="en-US" sz="2800" dirty="0" err="1"/>
+              <a:rPr lang="en-US" sz="1800" dirty="0"/>
+              <a:t>” and import the </a:t>
+            </a:r>
+            <a:r>
+              <a:rPr lang="en-US" sz="1800" dirty="0">
+                <a:solidFill>
+                  <a:srgbClr val="FF0000"/>
+                </a:solidFill>
+              </a:rPr>
+              <a:t>’</a:t>
+            </a:r>
+            <a:r>
+              <a:rPr lang="en-US" sz="1800" dirty="0" err="1">
+                <a:solidFill>
+                  <a:srgbClr val="FF0000"/>
+                </a:solidFill>
+              </a:rPr>
               <a:t>creatDB.sql</a:t>
             </a:r>
             <a:r>
-              <a:rPr lang="en-US" sz="2800" dirty="0"/>
+              <a:rPr lang="en-US" sz="1800" dirty="0"/>
               <a:t>’ file that you can find on the class web page</a:t>
             </a:r>
           </a:p>
           <a:p>
             <a:r>
-              <a:rPr lang="en-US" sz="2800" dirty="0"/>
+              <a:rPr lang="en-US" sz="1800" dirty="0"/>
               <a:t>Two ways to import tables: </a:t>
             </a:r>
           </a:p>
           <a:p>
             <a:pPr lvl="1"/>
             <a:r>
-              <a:rPr lang="en-US" sz="2400" dirty="0"/>
+              <a:rPr lang="en-US" dirty="0"/>
               <a:t>Open file and copy past the content (if the file is small) </a:t>
             </a:r>
           </a:p>
           <a:p>
             <a:pPr lvl="1"/>
             <a:r>
-              <a:rPr lang="en-US" sz="2400" dirty="0"/>
+              <a:rPr lang="en-US" dirty="0"/>
               <a:t>Use Import functionality (MySQL workbench and </a:t>
             </a:r>
             <a:r>
-              <a:rPr lang="en-US" sz="2400" dirty="0" err="1"/>
+              <a:rPr lang="en-US" dirty="0" err="1"/>
               <a:t>phpmyadmin</a:t>
             </a:r>
             <a:r>
-              <a:rPr lang="en-US" sz="2400" dirty="0"/>
+              <a:rPr lang="en-US" dirty="0"/>
               <a:t> both have it)</a:t>
             </a:r>
           </a:p>
@@ -7143,20 +8185,54 @@
               <a:buChar char=" "/>
             </a:pPr>
             <a:r>
-              <a:rPr lang="en-US" sz="2800" dirty="0"/>
+              <a:rPr lang="en-US" dirty="0"/>
               <a:t>Insert data from ‘</a:t>
             </a:r>
             <a:r>
-              <a:rPr lang="en-US" sz="2800" dirty="0" err="1"/>
+              <a:rPr lang="en-US" dirty="0" err="1">
+                <a:solidFill>
+                  <a:srgbClr val="FF0000"/>
+                </a:solidFill>
+              </a:rPr>
               <a:t>insertData.sql</a:t>
             </a:r>
             <a:r>
-              <a:rPr lang="en-US" sz="2800" dirty="0"/>
+              <a:rPr lang="en-US" dirty="0"/>
               <a:t>’ file that you can find on the class web page</a:t>
             </a:r>
           </a:p>
         </p:txBody>
       </p:sp>
+      <p:pic>
+        <p:nvPicPr>
+          <p:cNvPr id="6" name="Picture 5">
+            <a:extLst>
+              <a:ext uri="{FF2B5EF4-FFF2-40B4-BE49-F238E27FC236}">
+                <a16:creationId xmlns:a16="http://schemas.microsoft.com/office/drawing/2014/main" id="{C431C7F8-BC75-194F-A8B2-E756AA180F79}"/>
+              </a:ext>
+            </a:extLst>
+          </p:cNvPr>
+          <p:cNvPicPr>
+            <a:picLocks noChangeAspect="1"/>
+          </p:cNvPicPr>
+          <p:nvPr/>
+        </p:nvPicPr>
+        <p:blipFill>
+          <a:blip r:embed="rId2"/>
+          <a:stretch>
+            <a:fillRect/>
+          </a:stretch>
+        </p:blipFill>
+        <p:spPr>
+          <a:xfrm>
+            <a:off x="4367180" y="1011982"/>
+            <a:ext cx="4592559" cy="5012266"/>
+          </a:xfrm>
+          <a:prstGeom prst="rect">
+            <a:avLst/>
+          </a:prstGeom>
+        </p:spPr>
+      </p:pic>
     </p:spTree>
     <p:extLst>
       <p:ext uri="{BB962C8B-B14F-4D97-AF65-F5344CB8AC3E}">
@@ -7227,48 +8303,86 @@
           <a:lstStyle/>
           <a:p>
             <a:r>
-              <a:rPr lang="en-US" sz="3200" dirty="0"/>
+              <a:rPr lang="en-US" sz="2400" dirty="0"/>
               <a:t>Install the software:</a:t>
             </a:r>
           </a:p>
           <a:p>
             <a:pPr lvl="1"/>
             <a:r>
-              <a:rPr lang="en-US" sz="2800" dirty="0"/>
+              <a:rPr lang="en-US" sz="2400" dirty="0"/>
               <a:t>WAMP for windows</a:t>
             </a:r>
           </a:p>
           <a:p>
             <a:pPr lvl="1"/>
             <a:r>
-              <a:rPr lang="en-US" sz="2800" dirty="0"/>
+              <a:rPr lang="en-US" sz="2400" dirty="0"/>
               <a:t>MAMP for Mac</a:t>
             </a:r>
           </a:p>
           <a:p>
             <a:pPr lvl="1"/>
             <a:r>
-              <a:rPr lang="en-US" sz="2800" dirty="0"/>
+              <a:rPr lang="en-US" sz="2400" dirty="0"/>
               <a:t>LAMP for </a:t>
             </a:r>
             <a:r>
-              <a:rPr lang="en-US" sz="2800" dirty="0" err="1"/>
+              <a:rPr lang="en-US" sz="2400" dirty="0" err="1"/>
               <a:t>linux</a:t>
             </a:r>
             <a:r>
-              <a:rPr lang="en-US" sz="2800" dirty="0"/>
+              <a:rPr lang="en-US" sz="2400" dirty="0"/>
               <a:t>.</a:t>
             </a:r>
           </a:p>
           <a:p>
             <a:r>
-              <a:rPr lang="en-US" sz="3200" dirty="0"/>
-              <a:t>Download the lab materials from your pitt email, or class webpage.</a:t>
-            </a:r>
-          </a:p>
-          <a:p>
-            <a:r>
-              <a:rPr lang="en-US" sz="3200" dirty="0"/>
+              <a:rPr lang="en-US" sz="2400" dirty="0"/>
+              <a:t>Download the lab materials from</a:t>
+            </a:r>
+            <a:r>
+              <a:rPr lang="zh-CN" altLang="en-US" sz="2400" dirty="0"/>
+              <a:t> </a:t>
+            </a:r>
+            <a:r>
+              <a:rPr lang="en-US" sz="2400" dirty="0"/>
+              <a:t>GitHub</a:t>
+            </a:r>
+            <a:r>
+              <a:rPr lang="zh-CN" altLang="en-US" sz="2400" dirty="0"/>
+              <a:t> </a:t>
+            </a:r>
+            <a:r>
+              <a:rPr lang="en-US" altLang="zh-CN" sz="2400" dirty="0"/>
+              <a:t>link</a:t>
+            </a:r>
+            <a:r>
+              <a:rPr lang="en-US" sz="2400" dirty="0"/>
+              <a:t>, or class webpage.</a:t>
+            </a:r>
+          </a:p>
+          <a:p>
+            <a:r>
+              <a:rPr lang="en-US" sz="2400" dirty="0">
+                <a:hlinkClick r:id="rId2"/>
+              </a:rPr>
+              <a:t>https://github.com/yfamy123/INFSCI2710-lab</a:t>
+            </a:r>
+            <a:endParaRPr lang="en-US" sz="2400" dirty="0"/>
+          </a:p>
+          <a:p>
+            <a:r>
+              <a:rPr lang="en-US" sz="2400" dirty="0">
+                <a:hlinkClick r:id="rId3"/>
+              </a:rPr>
+              <a:t>http://www.pitt.edu/~vizclass/classes/infsci2710/</a:t>
+            </a:r>
+            <a:endParaRPr lang="en-US" sz="2400" dirty="0"/>
+          </a:p>
+          <a:p>
+            <a:r>
+              <a:rPr lang="en-US" sz="2400" dirty="0"/>
               <a:t>If fail to install the software or forget to take the laptop, find a partner and sit together.</a:t>
             </a:r>
           </a:p>
@@ -7291,7 +8405,7 @@
 </file>
 
 <file path=ppt/slides/slide4.xml><?xml version="1.0" encoding="utf-8"?>
-<p:sld xmlns:a="http://schemas.openxmlformats.org/drawingml/2006/main" xmlns:r="http://schemas.openxmlformats.org/officeDocument/2006/relationships" xmlns:p="http://schemas.openxmlformats.org/presentationml/2006/main">
+<p:sld xmlns:a="http://schemas.openxmlformats.org/drawingml/2006/main" xmlns:r="http://schemas.openxmlformats.org/officeDocument/2006/relationships" xmlns:p="http://schemas.openxmlformats.org/presentationml/2006/main" show="0">
   <p:cSld>
     <p:spTree>
       <p:nvGrpSpPr>

--- a/Lab slides.pptx
+++ b/Lab slides.pptx
@@ -5,7 +5,7 @@
     <p:sldMasterId id="2147483672" r:id="rId1"/>
   </p:sldMasterIdLst>
   <p:notesMasterIdLst>
-    <p:notesMasterId r:id="rId31"/>
+    <p:notesMasterId r:id="rId33"/>
   </p:notesMasterIdLst>
   <p:sldIdLst>
     <p:sldId id="256" r:id="rId2"/>
@@ -23,20 +23,22 @@
     <p:sldId id="276" r:id="rId14"/>
     <p:sldId id="285" r:id="rId15"/>
     <p:sldId id="286" r:id="rId16"/>
-    <p:sldId id="266" r:id="rId17"/>
-    <p:sldId id="267" r:id="rId18"/>
-    <p:sldId id="268" r:id="rId19"/>
-    <p:sldId id="278" r:id="rId20"/>
-    <p:sldId id="269" r:id="rId21"/>
-    <p:sldId id="270" r:id="rId22"/>
-    <p:sldId id="281" r:id="rId23"/>
-    <p:sldId id="271" r:id="rId24"/>
-    <p:sldId id="272" r:id="rId25"/>
-    <p:sldId id="282" r:id="rId26"/>
-    <p:sldId id="283" r:id="rId27"/>
-    <p:sldId id="284" r:id="rId28"/>
-    <p:sldId id="279" r:id="rId29"/>
-    <p:sldId id="274" r:id="rId30"/>
+    <p:sldId id="287" r:id="rId17"/>
+    <p:sldId id="266" r:id="rId18"/>
+    <p:sldId id="267" r:id="rId19"/>
+    <p:sldId id="268" r:id="rId20"/>
+    <p:sldId id="278" r:id="rId21"/>
+    <p:sldId id="269" r:id="rId22"/>
+    <p:sldId id="270" r:id="rId23"/>
+    <p:sldId id="281" r:id="rId24"/>
+    <p:sldId id="271" r:id="rId25"/>
+    <p:sldId id="272" r:id="rId26"/>
+    <p:sldId id="282" r:id="rId27"/>
+    <p:sldId id="283" r:id="rId28"/>
+    <p:sldId id="284" r:id="rId29"/>
+    <p:sldId id="279" r:id="rId30"/>
+    <p:sldId id="274" r:id="rId31"/>
+    <p:sldId id="288" r:id="rId32"/>
   </p:sldIdLst>
   <p:sldSz cx="9144000" cy="6858000" type="screen4x3"/>
   <p:notesSz cx="6858000" cy="9144000"/>
@@ -225,7 +227,7 @@
           <a:p>
             <a:fld id="{1A7DE32C-4D36-4266-AC73-05613B962B0D}" type="datetimeFigureOut">
               <a:rPr lang="en-US" smtClean="0"/>
-              <a:t>9/8/19</a:t>
+              <a:t>9/10/19</a:t>
             </a:fld>
             <a:endParaRPr lang="en-US"/>
           </a:p>
@@ -587,6 +589,408 @@
 </p:notes>
 </file>
 
+<file path=ppt/notesSlides/notesSlide2.xml><?xml version="1.0" encoding="utf-8"?>
+<p:notes xmlns:a="http://schemas.openxmlformats.org/drawingml/2006/main" xmlns:r="http://schemas.openxmlformats.org/officeDocument/2006/relationships" xmlns:p="http://schemas.openxmlformats.org/presentationml/2006/main">
+  <p:cSld>
+    <p:spTree>
+      <p:nvGrpSpPr>
+        <p:cNvPr id="1" name=""/>
+        <p:cNvGrpSpPr/>
+        <p:nvPr/>
+      </p:nvGrpSpPr>
+      <p:grpSpPr>
+        <a:xfrm>
+          <a:off x="0" y="0"/>
+          <a:ext cx="0" cy="0"/>
+          <a:chOff x="0" y="0"/>
+          <a:chExt cx="0" cy="0"/>
+        </a:xfrm>
+      </p:grpSpPr>
+      <p:sp>
+        <p:nvSpPr>
+          <p:cNvPr id="2" name="Slide Image Placeholder 1"/>
+          <p:cNvSpPr>
+            <a:spLocks noGrp="1" noRot="1" noChangeAspect="1"/>
+          </p:cNvSpPr>
+          <p:nvPr>
+            <p:ph type="sldImg"/>
+          </p:nvPr>
+        </p:nvSpPr>
+        <p:spPr/>
+      </p:sp>
+      <p:sp>
+        <p:nvSpPr>
+          <p:cNvPr id="3" name="Notes Placeholder 2"/>
+          <p:cNvSpPr>
+            <a:spLocks noGrp="1"/>
+          </p:cNvSpPr>
+          <p:nvPr>
+            <p:ph type="body" idx="1"/>
+          </p:nvPr>
+        </p:nvSpPr>
+        <p:spPr/>
+        <p:txBody>
+          <a:bodyPr/>
+          <a:lstStyle/>
+          <a:p>
+            <a:endParaRPr lang="en-US" dirty="0"/>
+          </a:p>
+        </p:txBody>
+      </p:sp>
+      <p:sp>
+        <p:nvSpPr>
+          <p:cNvPr id="4" name="Slide Number Placeholder 3"/>
+          <p:cNvSpPr>
+            <a:spLocks noGrp="1"/>
+          </p:cNvSpPr>
+          <p:nvPr>
+            <p:ph type="sldNum" sz="quarter" idx="5"/>
+          </p:nvPr>
+        </p:nvSpPr>
+        <p:spPr/>
+        <p:txBody>
+          <a:bodyPr/>
+          <a:lstStyle/>
+          <a:p>
+            <a:fld id="{CDD7C783-2655-4F61-943B-608A16EB134B}" type="slidenum">
+              <a:rPr lang="en-US" smtClean="0"/>
+              <a:t>7</a:t>
+            </a:fld>
+            <a:endParaRPr lang="en-US"/>
+          </a:p>
+        </p:txBody>
+      </p:sp>
+    </p:spTree>
+    <p:extLst>
+      <p:ext uri="{BB962C8B-B14F-4D97-AF65-F5344CB8AC3E}">
+        <p14:creationId xmlns:p14="http://schemas.microsoft.com/office/powerpoint/2010/main" val="3425320739"/>
+      </p:ext>
+    </p:extLst>
+  </p:cSld>
+  <p:clrMapOvr>
+    <a:masterClrMapping/>
+  </p:clrMapOvr>
+</p:notes>
+</file>
+
+<file path=ppt/notesSlides/notesSlide3.xml><?xml version="1.0" encoding="utf-8"?>
+<p:notes xmlns:a="http://schemas.openxmlformats.org/drawingml/2006/main" xmlns:r="http://schemas.openxmlformats.org/officeDocument/2006/relationships" xmlns:p="http://schemas.openxmlformats.org/presentationml/2006/main">
+  <p:cSld>
+    <p:spTree>
+      <p:nvGrpSpPr>
+        <p:cNvPr id="1" name=""/>
+        <p:cNvGrpSpPr/>
+        <p:nvPr/>
+      </p:nvGrpSpPr>
+      <p:grpSpPr>
+        <a:xfrm>
+          <a:off x="0" y="0"/>
+          <a:ext cx="0" cy="0"/>
+          <a:chOff x="0" y="0"/>
+          <a:chExt cx="0" cy="0"/>
+        </a:xfrm>
+      </p:grpSpPr>
+      <p:sp>
+        <p:nvSpPr>
+          <p:cNvPr id="2" name="Slide Image Placeholder 1"/>
+          <p:cNvSpPr>
+            <a:spLocks noGrp="1" noRot="1" noChangeAspect="1"/>
+          </p:cNvSpPr>
+          <p:nvPr>
+            <p:ph type="sldImg"/>
+          </p:nvPr>
+        </p:nvSpPr>
+        <p:spPr/>
+      </p:sp>
+      <p:sp>
+        <p:nvSpPr>
+          <p:cNvPr id="3" name="Notes Placeholder 2"/>
+          <p:cNvSpPr>
+            <a:spLocks noGrp="1"/>
+          </p:cNvSpPr>
+          <p:nvPr>
+            <p:ph type="body" idx="1"/>
+          </p:nvPr>
+        </p:nvSpPr>
+        <p:spPr/>
+        <p:txBody>
+          <a:bodyPr/>
+          <a:lstStyle/>
+          <a:p>
+            <a:r>
+              <a:rPr lang="ja-JP" altLang="en-US" sz="1200" b="0" i="0" u="none" strike="noStrike" kern="1200">
+                <a:solidFill>
+                  <a:schemeClr val="tx1"/>
+                </a:solidFill>
+                <a:effectLst/>
+                <a:latin typeface="+mn-lt"/>
+                <a:ea typeface="+mn-ea"/>
+                <a:cs typeface="+mn-cs"/>
+                <a:hlinkClick r:id="rId3"/>
+              </a:rPr>
+              <a:t>去购买</a:t>
+            </a:r>
+            <a:r>
+              <a:rPr lang="ja-JP" altLang="en-US" sz="1200" b="0" i="0" kern="1200">
+                <a:solidFill>
+                  <a:schemeClr val="tx1"/>
+                </a:solidFill>
+                <a:effectLst/>
+                <a:latin typeface="+mn-lt"/>
+                <a:ea typeface="+mn-ea"/>
+                <a:cs typeface="+mn-cs"/>
+              </a:rPr>
+              <a:t>更新于</a:t>
+            </a:r>
+            <a:r>
+              <a:rPr lang="en-US" altLang="ja-JP" sz="1200" b="0" i="0" kern="1200" dirty="0">
+                <a:solidFill>
+                  <a:schemeClr val="tx1"/>
+                </a:solidFill>
+                <a:effectLst/>
+                <a:latin typeface="+mn-lt"/>
+                <a:ea typeface="+mn-ea"/>
+                <a:cs typeface="+mn-cs"/>
+              </a:rPr>
+              <a:t>2</a:t>
+            </a:r>
+            <a:r>
+              <a:rPr lang="ja-JP" altLang="en-US" sz="1200" b="0" i="0" kern="1200">
+                <a:solidFill>
+                  <a:schemeClr val="tx1"/>
+                </a:solidFill>
+                <a:effectLst/>
+                <a:latin typeface="+mn-lt"/>
+                <a:ea typeface="+mn-ea"/>
+                <a:cs typeface="+mn-cs"/>
+              </a:rPr>
+              <a:t>小时前</a:t>
+            </a:r>
+          </a:p>
+          <a:p>
+            <a:r>
+              <a:rPr lang="en-US" sz="1200" b="0" i="0" u="none" strike="noStrike" kern="1200" dirty="0">
+                <a:solidFill>
+                  <a:schemeClr val="tx1"/>
+                </a:solidFill>
+                <a:effectLst/>
+                <a:latin typeface="+mn-lt"/>
+                <a:ea typeface="+mn-ea"/>
+                <a:cs typeface="+mn-cs"/>
+                <a:hlinkClick r:id="rId3"/>
+              </a:rPr>
+              <a:t>SkinStore</a:t>
+            </a:r>
+          </a:p>
+          <a:p>
+            <a:endParaRPr lang="en-US" dirty="0"/>
+          </a:p>
+        </p:txBody>
+      </p:sp>
+      <p:sp>
+        <p:nvSpPr>
+          <p:cNvPr id="4" name="Slide Number Placeholder 3"/>
+          <p:cNvSpPr>
+            <a:spLocks noGrp="1"/>
+          </p:cNvSpPr>
+          <p:nvPr>
+            <p:ph type="sldNum" sz="quarter" idx="5"/>
+          </p:nvPr>
+        </p:nvSpPr>
+        <p:spPr/>
+        <p:txBody>
+          <a:bodyPr/>
+          <a:lstStyle/>
+          <a:p>
+            <a:fld id="{CDD7C783-2655-4F61-943B-608A16EB134B}" type="slidenum">
+              <a:rPr lang="en-US" smtClean="0"/>
+              <a:t>15</a:t>
+            </a:fld>
+            <a:endParaRPr lang="en-US"/>
+          </a:p>
+        </p:txBody>
+      </p:sp>
+    </p:spTree>
+    <p:extLst>
+      <p:ext uri="{BB962C8B-B14F-4D97-AF65-F5344CB8AC3E}">
+        <p14:creationId xmlns:p14="http://schemas.microsoft.com/office/powerpoint/2010/main" val="3282999107"/>
+      </p:ext>
+    </p:extLst>
+  </p:cSld>
+  <p:clrMapOvr>
+    <a:masterClrMapping/>
+  </p:clrMapOvr>
+</p:notes>
+</file>
+
+<file path=ppt/notesSlides/notesSlide4.xml><?xml version="1.0" encoding="utf-8"?>
+<p:notes xmlns:a="http://schemas.openxmlformats.org/drawingml/2006/main" xmlns:r="http://schemas.openxmlformats.org/officeDocument/2006/relationships" xmlns:p="http://schemas.openxmlformats.org/presentationml/2006/main">
+  <p:cSld>
+    <p:spTree>
+      <p:nvGrpSpPr>
+        <p:cNvPr id="1" name=""/>
+        <p:cNvGrpSpPr/>
+        <p:nvPr/>
+      </p:nvGrpSpPr>
+      <p:grpSpPr>
+        <a:xfrm>
+          <a:off x="0" y="0"/>
+          <a:ext cx="0" cy="0"/>
+          <a:chOff x="0" y="0"/>
+          <a:chExt cx="0" cy="0"/>
+        </a:xfrm>
+      </p:grpSpPr>
+      <p:sp>
+        <p:nvSpPr>
+          <p:cNvPr id="2" name="Slide Image Placeholder 1"/>
+          <p:cNvSpPr>
+            <a:spLocks noGrp="1" noRot="1" noChangeAspect="1"/>
+          </p:cNvSpPr>
+          <p:nvPr>
+            <p:ph type="sldImg"/>
+          </p:nvPr>
+        </p:nvSpPr>
+        <p:spPr/>
+      </p:sp>
+      <p:sp>
+        <p:nvSpPr>
+          <p:cNvPr id="3" name="Notes Placeholder 2"/>
+          <p:cNvSpPr>
+            <a:spLocks noGrp="1"/>
+          </p:cNvSpPr>
+          <p:nvPr>
+            <p:ph type="body" idx="1"/>
+          </p:nvPr>
+        </p:nvSpPr>
+        <p:spPr/>
+        <p:txBody>
+          <a:bodyPr/>
+          <a:lstStyle/>
+          <a:p>
+            <a:endParaRPr lang="en-US" dirty="0"/>
+          </a:p>
+        </p:txBody>
+      </p:sp>
+      <p:sp>
+        <p:nvSpPr>
+          <p:cNvPr id="4" name="Slide Number Placeholder 3"/>
+          <p:cNvSpPr>
+            <a:spLocks noGrp="1"/>
+          </p:cNvSpPr>
+          <p:nvPr>
+            <p:ph type="sldNum" sz="quarter" idx="5"/>
+          </p:nvPr>
+        </p:nvSpPr>
+        <p:spPr/>
+        <p:txBody>
+          <a:bodyPr/>
+          <a:lstStyle/>
+          <a:p>
+            <a:fld id="{CDD7C783-2655-4F61-943B-608A16EB134B}" type="slidenum">
+              <a:rPr lang="en-US" smtClean="0"/>
+              <a:t>23</a:t>
+            </a:fld>
+            <a:endParaRPr lang="en-US"/>
+          </a:p>
+        </p:txBody>
+      </p:sp>
+    </p:spTree>
+    <p:extLst>
+      <p:ext uri="{BB962C8B-B14F-4D97-AF65-F5344CB8AC3E}">
+        <p14:creationId xmlns:p14="http://schemas.microsoft.com/office/powerpoint/2010/main" val="2652889503"/>
+      </p:ext>
+    </p:extLst>
+  </p:cSld>
+  <p:clrMapOvr>
+    <a:masterClrMapping/>
+  </p:clrMapOvr>
+</p:notes>
+</file>
+
+<file path=ppt/notesSlides/notesSlide5.xml><?xml version="1.0" encoding="utf-8"?>
+<p:notes xmlns:a="http://schemas.openxmlformats.org/drawingml/2006/main" xmlns:r="http://schemas.openxmlformats.org/officeDocument/2006/relationships" xmlns:p="http://schemas.openxmlformats.org/presentationml/2006/main">
+  <p:cSld>
+    <p:spTree>
+      <p:nvGrpSpPr>
+        <p:cNvPr id="1" name=""/>
+        <p:cNvGrpSpPr/>
+        <p:nvPr/>
+      </p:nvGrpSpPr>
+      <p:grpSpPr>
+        <a:xfrm>
+          <a:off x="0" y="0"/>
+          <a:ext cx="0" cy="0"/>
+          <a:chOff x="0" y="0"/>
+          <a:chExt cx="0" cy="0"/>
+        </a:xfrm>
+      </p:grpSpPr>
+      <p:sp>
+        <p:nvSpPr>
+          <p:cNvPr id="2" name="Slide Image Placeholder 1"/>
+          <p:cNvSpPr>
+            <a:spLocks noGrp="1" noRot="1" noChangeAspect="1"/>
+          </p:cNvSpPr>
+          <p:nvPr>
+            <p:ph type="sldImg"/>
+          </p:nvPr>
+        </p:nvSpPr>
+        <p:spPr/>
+      </p:sp>
+      <p:sp>
+        <p:nvSpPr>
+          <p:cNvPr id="3" name="Notes Placeholder 2"/>
+          <p:cNvSpPr>
+            <a:spLocks noGrp="1"/>
+          </p:cNvSpPr>
+          <p:nvPr>
+            <p:ph type="body" idx="1"/>
+          </p:nvPr>
+        </p:nvSpPr>
+        <p:spPr/>
+        <p:txBody>
+          <a:bodyPr/>
+          <a:lstStyle/>
+          <a:p>
+            <a:endParaRPr lang="en-US" dirty="0"/>
+          </a:p>
+        </p:txBody>
+      </p:sp>
+      <p:sp>
+        <p:nvSpPr>
+          <p:cNvPr id="4" name="Slide Number Placeholder 3"/>
+          <p:cNvSpPr>
+            <a:spLocks noGrp="1"/>
+          </p:cNvSpPr>
+          <p:nvPr>
+            <p:ph type="sldNum" sz="quarter" idx="5"/>
+          </p:nvPr>
+        </p:nvSpPr>
+        <p:spPr/>
+        <p:txBody>
+          <a:bodyPr/>
+          <a:lstStyle/>
+          <a:p>
+            <a:fld id="{CDD7C783-2655-4F61-943B-608A16EB134B}" type="slidenum">
+              <a:rPr lang="en-US" smtClean="0"/>
+              <a:t>31</a:t>
+            </a:fld>
+            <a:endParaRPr lang="en-US"/>
+          </a:p>
+        </p:txBody>
+      </p:sp>
+    </p:spTree>
+    <p:extLst>
+      <p:ext uri="{BB962C8B-B14F-4D97-AF65-F5344CB8AC3E}">
+        <p14:creationId xmlns:p14="http://schemas.microsoft.com/office/powerpoint/2010/main" val="2179052813"/>
+      </p:ext>
+    </p:extLst>
+  </p:cSld>
+  <p:clrMapOvr>
+    <a:masterClrMapping/>
+  </p:clrMapOvr>
+</p:notes>
+</file>
+
 <file path=ppt/slideLayouts/slideLayout1.xml><?xml version="1.0" encoding="utf-8"?>
 <p:sldLayout xmlns:a="http://schemas.openxmlformats.org/drawingml/2006/main" xmlns:r="http://schemas.openxmlformats.org/officeDocument/2006/relationships" xmlns:p="http://schemas.openxmlformats.org/presentationml/2006/main" showMasterSp="0" type="title" preserve="1">
   <p:cSld name="Title Slide">
@@ -813,7 +1217,7 @@
           <a:p>
             <a:fld id="{66733E30-8015-4A28-8047-3F9EFA2F9AFD}" type="datetimeFigureOut">
               <a:rPr lang="en-US" smtClean="0"/>
-              <a:t>9/8/19</a:t>
+              <a:t>9/10/19</a:t>
             </a:fld>
             <a:endParaRPr lang="en-US"/>
           </a:p>
@@ -1021,7 +1425,7 @@
           <a:p>
             <a:fld id="{66733E30-8015-4A28-8047-3F9EFA2F9AFD}" type="datetimeFigureOut">
               <a:rPr lang="en-US" smtClean="0"/>
-              <a:t>9/8/19</a:t>
+              <a:t>9/10/19</a:t>
             </a:fld>
             <a:endParaRPr lang="en-US"/>
           </a:p>
@@ -1277,7 +1681,7 @@
           <a:p>
             <a:fld id="{66733E30-8015-4A28-8047-3F9EFA2F9AFD}" type="datetimeFigureOut">
               <a:rPr lang="en-US" smtClean="0"/>
-              <a:t>9/8/19</a:t>
+              <a:t>9/10/19</a:t>
             </a:fld>
             <a:endParaRPr lang="en-US"/>
           </a:p>
@@ -1447,7 +1851,7 @@
           <a:p>
             <a:fld id="{66733E30-8015-4A28-8047-3F9EFA2F9AFD}" type="datetimeFigureOut">
               <a:rPr lang="en-US" smtClean="0"/>
-              <a:t>9/8/19</a:t>
+              <a:t>9/10/19</a:t>
             </a:fld>
             <a:endParaRPr lang="en-US"/>
           </a:p>
@@ -1790,7 +2194,7 @@
           <a:p>
             <a:fld id="{66733E30-8015-4A28-8047-3F9EFA2F9AFD}" type="datetimeFigureOut">
               <a:rPr lang="en-US" smtClean="0"/>
-              <a:t>9/8/19</a:t>
+              <a:t>9/10/19</a:t>
             </a:fld>
             <a:endParaRPr lang="en-US"/>
           </a:p>
@@ -2065,7 +2469,7 @@
           <a:p>
             <a:fld id="{66733E30-8015-4A28-8047-3F9EFA2F9AFD}" type="datetimeFigureOut">
               <a:rPr lang="en-US" smtClean="0"/>
-              <a:t>9/8/19</a:t>
+              <a:t>9/10/19</a:t>
             </a:fld>
             <a:endParaRPr lang="en-US"/>
           </a:p>
@@ -2444,7 +2848,7 @@
           <a:p>
             <a:fld id="{66733E30-8015-4A28-8047-3F9EFA2F9AFD}" type="datetimeFigureOut">
               <a:rPr lang="en-US" smtClean="0"/>
-              <a:t>9/8/19</a:t>
+              <a:t>9/10/19</a:t>
             </a:fld>
             <a:endParaRPr lang="en-US"/>
           </a:p>
@@ -2562,7 +2966,7 @@
           <a:p>
             <a:fld id="{66733E30-8015-4A28-8047-3F9EFA2F9AFD}" type="datetimeFigureOut">
               <a:rPr lang="en-US" smtClean="0"/>
-              <a:t>9/8/19</a:t>
+              <a:t>9/10/19</a:t>
             </a:fld>
             <a:endParaRPr lang="en-US"/>
           </a:p>
@@ -2733,7 +3137,7 @@
           <a:p>
             <a:fld id="{66733E30-8015-4A28-8047-3F9EFA2F9AFD}" type="datetimeFigureOut">
               <a:rPr lang="en-US" smtClean="0"/>
-              <a:t>9/8/19</a:t>
+              <a:t>9/10/19</a:t>
             </a:fld>
             <a:endParaRPr lang="en-US"/>
           </a:p>
@@ -3087,7 +3491,7 @@
           <a:p>
             <a:fld id="{66733E30-8015-4A28-8047-3F9EFA2F9AFD}" type="datetimeFigureOut">
               <a:rPr lang="en-US" smtClean="0"/>
-              <a:t>9/8/19</a:t>
+              <a:t>9/10/19</a:t>
             </a:fld>
             <a:endParaRPr lang="en-US"/>
           </a:p>
@@ -3469,7 +3873,7 @@
           <a:p>
             <a:fld id="{66733E30-8015-4A28-8047-3F9EFA2F9AFD}" type="datetimeFigureOut">
               <a:rPr lang="en-US" smtClean="0"/>
-              <a:t>9/8/19</a:t>
+              <a:t>9/10/19</a:t>
             </a:fld>
             <a:endParaRPr lang="en-US"/>
           </a:p>
@@ -3756,7 +4160,7 @@
           <a:p>
             <a:fld id="{66733E30-8015-4A28-8047-3F9EFA2F9AFD}" type="datetimeFigureOut">
               <a:rPr lang="en-US" smtClean="0"/>
-              <a:t>9/8/19</a:t>
+              <a:t>9/10/19</a:t>
             </a:fld>
             <a:endParaRPr lang="en-US"/>
           </a:p>
@@ -5127,7 +5531,7 @@
             </a:r>
             <a:r>
               <a:rPr lang="en-US" dirty="0"/>
-              <a:t> Page (choose the link based on your port setting)</a:t>
+              <a:t> Page (change the link based on your software and port)</a:t>
             </a:r>
           </a:p>
           <a:p>
@@ -5411,7 +5815,7 @@
           <p:nvPr/>
         </p:nvPicPr>
         <p:blipFill>
-          <a:blip r:embed="rId2"/>
+          <a:blip r:embed="rId3"/>
           <a:stretch>
             <a:fillRect/>
           </a:stretch>
@@ -5496,7 +5900,7 @@
             <p:nvPr/>
           </p:nvPicPr>
           <p:blipFill>
-            <a:blip r:embed="rId3"/>
+            <a:blip r:embed="rId4"/>
             <a:stretch>
               <a:fillRect/>
             </a:stretch>
@@ -5582,7 +5986,7 @@
             <p:nvPr/>
           </p:nvPicPr>
           <p:blipFill>
-            <a:blip r:embed="rId4"/>
+            <a:blip r:embed="rId5"/>
             <a:stretch>
               <a:fillRect/>
             </a:stretch>
@@ -6029,6 +6433,289 @@
       </p:grpSpPr>
       <p:sp>
         <p:nvSpPr>
+          <p:cNvPr id="2" name="TextBox 1">
+            <a:extLst>
+              <a:ext uri="{FF2B5EF4-FFF2-40B4-BE49-F238E27FC236}">
+                <a16:creationId xmlns:a16="http://schemas.microsoft.com/office/drawing/2014/main" id="{3098B861-CFC3-AD44-B769-0AF17A803683}"/>
+              </a:ext>
+            </a:extLst>
+          </p:cNvPr>
+          <p:cNvSpPr txBox="1"/>
+          <p:nvPr/>
+        </p:nvSpPr>
+        <p:spPr>
+          <a:xfrm>
+            <a:off x="858982" y="1089891"/>
+            <a:ext cx="5931367" cy="4247317"/>
+          </a:xfrm>
+          <a:prstGeom prst="rect">
+            <a:avLst/>
+          </a:prstGeom>
+          <a:noFill/>
+        </p:spPr>
+        <p:txBody>
+          <a:bodyPr wrap="none" rtlCol="0">
+            <a:spAutoFit/>
+          </a:bodyPr>
+          <a:lstStyle/>
+          <a:p>
+            <a:pPr marL="285750" indent="-285750">
+              <a:buFont typeface="Arial" panose="020B0604020202020204" pitchFamily="34" charset="0"/>
+              <a:buChar char="•"/>
+            </a:pPr>
+            <a:r>
+              <a:rPr lang="en-US" dirty="0"/>
+              <a:t>CREATE DATABASE </a:t>
+            </a:r>
+            <a:r>
+              <a:rPr lang="en-US" i="1" dirty="0" err="1"/>
+              <a:t>databasename</a:t>
+            </a:r>
+            <a:r>
+              <a:rPr lang="en-US" dirty="0"/>
+              <a:t>;</a:t>
+            </a:r>
+          </a:p>
+          <a:p>
+            <a:pPr marL="285750" indent="-285750">
+              <a:buFont typeface="Arial" panose="020B0604020202020204" pitchFamily="34" charset="0"/>
+              <a:buChar char="•"/>
+            </a:pPr>
+            <a:endParaRPr lang="en-US" dirty="0"/>
+          </a:p>
+          <a:p>
+            <a:pPr marL="285750" indent="-285750">
+              <a:buFont typeface="Arial" panose="020B0604020202020204" pitchFamily="34" charset="0"/>
+              <a:buChar char="•"/>
+            </a:pPr>
+            <a:r>
+              <a:rPr lang="en-US" dirty="0"/>
+              <a:t>DROP DATABASE </a:t>
+            </a:r>
+            <a:r>
+              <a:rPr lang="en-US" i="1" dirty="0" err="1"/>
+              <a:t>databasename</a:t>
+            </a:r>
+            <a:r>
+              <a:rPr lang="en-US" dirty="0"/>
+              <a:t>;</a:t>
+            </a:r>
+          </a:p>
+          <a:p>
+            <a:pPr marL="285750" indent="-285750">
+              <a:buFont typeface="Arial" panose="020B0604020202020204" pitchFamily="34" charset="0"/>
+              <a:buChar char="•"/>
+            </a:pPr>
+            <a:endParaRPr lang="en-US" dirty="0"/>
+          </a:p>
+          <a:p>
+            <a:pPr marL="285750" indent="-285750">
+              <a:buFont typeface="Arial" panose="020B0604020202020204" pitchFamily="34" charset="0"/>
+              <a:buChar char="•"/>
+            </a:pPr>
+            <a:r>
+              <a:rPr lang="en-US" dirty="0"/>
+              <a:t>CREATE TABLE </a:t>
+            </a:r>
+            <a:r>
+              <a:rPr lang="en-US" i="1" dirty="0" err="1"/>
+              <a:t>table_name</a:t>
+            </a:r>
+            <a:r>
+              <a:rPr lang="en-US" i="1" dirty="0"/>
+              <a:t> </a:t>
+            </a:r>
+            <a:r>
+              <a:rPr lang="en-US" dirty="0"/>
+              <a:t>(</a:t>
+            </a:r>
+            <a:br>
+              <a:rPr lang="en-US" dirty="0"/>
+            </a:br>
+            <a:r>
+              <a:rPr lang="en-US" i="1" dirty="0"/>
+              <a:t>    column1 datatype</a:t>
+            </a:r>
+            <a:r>
+              <a:rPr lang="en-US" dirty="0"/>
+              <a:t>,</a:t>
+            </a:r>
+            <a:br>
+              <a:rPr lang="en-US" dirty="0"/>
+            </a:br>
+            <a:r>
+              <a:rPr lang="en-US" i="1" dirty="0"/>
+              <a:t>    column2 datatype</a:t>
+            </a:r>
+            <a:r>
+              <a:rPr lang="en-US" dirty="0"/>
+              <a:t>,</a:t>
+            </a:r>
+            <a:br>
+              <a:rPr lang="en-US" dirty="0"/>
+            </a:br>
+            <a:r>
+              <a:rPr lang="en-US" i="1" dirty="0"/>
+              <a:t>    column3 datatype</a:t>
+            </a:r>
+            <a:r>
+              <a:rPr lang="en-US" dirty="0"/>
+              <a:t>,</a:t>
+            </a:r>
+            <a:br>
+              <a:rPr lang="en-US" dirty="0"/>
+            </a:br>
+            <a:r>
+              <a:rPr lang="en-US" dirty="0"/>
+              <a:t>   ....</a:t>
+            </a:r>
+            <a:br>
+              <a:rPr lang="en-US" dirty="0"/>
+            </a:br>
+            <a:r>
+              <a:rPr lang="en-US" dirty="0"/>
+              <a:t>);</a:t>
+            </a:r>
+          </a:p>
+          <a:p>
+            <a:pPr marL="285750" indent="-285750">
+              <a:buFont typeface="Arial" panose="020B0604020202020204" pitchFamily="34" charset="0"/>
+              <a:buChar char="•"/>
+            </a:pPr>
+            <a:endParaRPr lang="en-US" dirty="0"/>
+          </a:p>
+          <a:p>
+            <a:pPr marL="285750" indent="-285750">
+              <a:buFont typeface="Arial" panose="020B0604020202020204" pitchFamily="34" charset="0"/>
+              <a:buChar char="•"/>
+            </a:pPr>
+            <a:r>
+              <a:rPr lang="en-US" dirty="0"/>
+              <a:t>DROP TABLE </a:t>
+            </a:r>
+            <a:r>
+              <a:rPr lang="en-US" i="1" dirty="0" err="1"/>
+              <a:t>table_name</a:t>
+            </a:r>
+            <a:r>
+              <a:rPr lang="en-US" dirty="0"/>
+              <a:t>;</a:t>
+            </a:r>
+          </a:p>
+          <a:p>
+            <a:pPr marL="285750" indent="-285750">
+              <a:buFont typeface="Arial" panose="020B0604020202020204" pitchFamily="34" charset="0"/>
+              <a:buChar char="•"/>
+            </a:pPr>
+            <a:endParaRPr lang="en-US" dirty="0"/>
+          </a:p>
+          <a:p>
+            <a:pPr marL="285750" indent="-285750">
+              <a:buFont typeface="Arial" panose="020B0604020202020204" pitchFamily="34" charset="0"/>
+              <a:buChar char="•"/>
+            </a:pPr>
+            <a:r>
+              <a:rPr lang="en-US" dirty="0"/>
+              <a:t>INSERT INTO </a:t>
+            </a:r>
+            <a:r>
+              <a:rPr lang="en-US" i="1" dirty="0" err="1"/>
+              <a:t>table_name</a:t>
+            </a:r>
+            <a:r>
+              <a:rPr lang="en-US" dirty="0"/>
+              <a:t> (</a:t>
+            </a:r>
+            <a:r>
+              <a:rPr lang="en-US" i="1" dirty="0"/>
+              <a:t>column1</a:t>
+            </a:r>
+            <a:r>
+              <a:rPr lang="en-US" dirty="0"/>
+              <a:t>,</a:t>
+            </a:r>
+            <a:r>
+              <a:rPr lang="en-US" i="1" dirty="0"/>
+              <a:t> column2</a:t>
+            </a:r>
+            <a:r>
+              <a:rPr lang="en-US" dirty="0"/>
+              <a:t>,</a:t>
+            </a:r>
+            <a:r>
+              <a:rPr lang="en-US" i="1" dirty="0"/>
+              <a:t> column3</a:t>
+            </a:r>
+            <a:r>
+              <a:rPr lang="en-US" dirty="0"/>
+              <a:t>, ...)</a:t>
+            </a:r>
+            <a:br>
+              <a:rPr lang="en-US" dirty="0"/>
+            </a:br>
+            <a:r>
+              <a:rPr lang="en-US" dirty="0"/>
+              <a:t>VALUES (</a:t>
+            </a:r>
+            <a:r>
+              <a:rPr lang="en-US" i="1" dirty="0"/>
+              <a:t>value1</a:t>
+            </a:r>
+            <a:r>
+              <a:rPr lang="en-US" dirty="0"/>
+              <a:t>,</a:t>
+            </a:r>
+            <a:r>
+              <a:rPr lang="en-US" i="1" dirty="0"/>
+              <a:t> value2</a:t>
+            </a:r>
+            <a:r>
+              <a:rPr lang="en-US" dirty="0"/>
+              <a:t>,</a:t>
+            </a:r>
+            <a:r>
+              <a:rPr lang="en-US" i="1" dirty="0"/>
+              <a:t> value3</a:t>
+            </a:r>
+            <a:r>
+              <a:rPr lang="en-US" dirty="0"/>
+              <a:t>, ...);</a:t>
+            </a:r>
+          </a:p>
+        </p:txBody>
+      </p:sp>
+    </p:spTree>
+    <p:extLst>
+      <p:ext uri="{BB962C8B-B14F-4D97-AF65-F5344CB8AC3E}">
+        <p14:creationId xmlns:p14="http://schemas.microsoft.com/office/powerpoint/2010/main" val="2091683504"/>
+      </p:ext>
+    </p:extLst>
+  </p:cSld>
+  <p:clrMapOvr>
+    <a:masterClrMapping/>
+  </p:clrMapOvr>
+</p:sld>
+</file>
+
+<file path=ppt/slides/slide17.xml><?xml version="1.0" encoding="utf-8"?>
+<p:sld xmlns:a="http://schemas.openxmlformats.org/drawingml/2006/main" xmlns:r="http://schemas.openxmlformats.org/officeDocument/2006/relationships" xmlns:p="http://schemas.openxmlformats.org/presentationml/2006/main">
+  <p:cSld>
+    <p:spTree>
+      <p:nvGrpSpPr>
+        <p:cNvPr id="1" name=""/>
+        <p:cNvGrpSpPr/>
+        <p:nvPr/>
+      </p:nvGrpSpPr>
+      <p:grpSpPr>
+        <a:xfrm>
+          <a:off x="0" y="0"/>
+          <a:ext cx="0" cy="0"/>
+          <a:chOff x="0" y="0"/>
+          <a:chExt cx="0" cy="0"/>
+        </a:xfrm>
+      </p:grpSpPr>
+      <p:sp>
+        <p:nvSpPr>
           <p:cNvPr id="2" name="Title 1"/>
           <p:cNvSpPr>
             <a:spLocks noGrp="1"/>
@@ -6090,7 +6777,7 @@
           <a:p>
             <a:fld id="{AE04BB3B-7A3C-3E4C-B0E2-543257794554}" type="slidenum">
               <a:rPr lang="en-US" smtClean="0"/>
-              <a:t>16</a:t>
+              <a:t>17</a:t>
             </a:fld>
             <a:endParaRPr lang="en-US"/>
           </a:p>
@@ -6213,7 +6900,7 @@
 </p:sld>
 </file>
 
-<file path=ppt/slides/slide17.xml><?xml version="1.0" encoding="utf-8"?>
+<file path=ppt/slides/slide18.xml><?xml version="1.0" encoding="utf-8"?>
 <p:sld xmlns:a="http://schemas.openxmlformats.org/drawingml/2006/main" xmlns:r="http://schemas.openxmlformats.org/officeDocument/2006/relationships" xmlns:p="http://schemas.openxmlformats.org/presentationml/2006/main">
   <p:cSld>
     <p:spTree>
@@ -6291,7 +6978,7 @@
           <a:p>
             <a:fld id="{AE04BB3B-7A3C-3E4C-B0E2-543257794554}" type="slidenum">
               <a:rPr lang="en-US" smtClean="0"/>
-              <a:t>17</a:t>
+              <a:t>18</a:t>
             </a:fld>
             <a:endParaRPr lang="en-US"/>
           </a:p>
@@ -6384,7 +7071,7 @@
 </p:sld>
 </file>
 
-<file path=ppt/slides/slide18.xml><?xml version="1.0" encoding="utf-8"?>
+<file path=ppt/slides/slide19.xml><?xml version="1.0" encoding="utf-8"?>
 <p:sld xmlns:a="http://schemas.openxmlformats.org/drawingml/2006/main" xmlns:r="http://schemas.openxmlformats.org/officeDocument/2006/relationships" xmlns:p="http://schemas.openxmlformats.org/presentationml/2006/main">
   <p:cSld>
     <p:spTree>
@@ -6462,7 +7149,7 @@
           <a:p>
             <a:fld id="{AE04BB3B-7A3C-3E4C-B0E2-543257794554}" type="slidenum">
               <a:rPr lang="en-US" smtClean="0"/>
-              <a:t>18</a:t>
+              <a:t>19</a:t>
             </a:fld>
             <a:endParaRPr lang="en-US"/>
           </a:p>
@@ -6565,7 +7252,7 @@
 </p:sld>
 </file>
 
-<file path=ppt/slides/slide19.xml><?xml version="1.0" encoding="utf-8"?>
+<file path=ppt/slides/slide2.xml><?xml version="1.0" encoding="utf-8"?>
 <p:sld xmlns:a="http://schemas.openxmlformats.org/drawingml/2006/main" xmlns:r="http://schemas.openxmlformats.org/officeDocument/2006/relationships" xmlns:p="http://schemas.openxmlformats.org/presentationml/2006/main">
   <p:cSld>
     <p:spTree>
@@ -6599,6 +7286,134 @@
           <a:p>
             <a:r>
               <a:rPr lang="en-US" dirty="0"/>
+              <a:t>Outline</a:t>
+            </a:r>
+          </a:p>
+        </p:txBody>
+      </p:sp>
+      <p:sp>
+        <p:nvSpPr>
+          <p:cNvPr id="3" name="Content Placeholder 2"/>
+          <p:cNvSpPr>
+            <a:spLocks noGrp="1"/>
+          </p:cNvSpPr>
+          <p:nvPr>
+            <p:ph idx="1"/>
+          </p:nvPr>
+        </p:nvSpPr>
+        <p:spPr>
+          <a:xfrm>
+            <a:off x="822960" y="1737361"/>
+            <a:ext cx="7543801" cy="4467980"/>
+          </a:xfrm>
+        </p:spPr>
+        <p:txBody>
+          <a:bodyPr>
+            <a:noAutofit/>
+          </a:bodyPr>
+          <a:lstStyle/>
+          <a:p>
+            <a:r>
+              <a:rPr lang="en-US" sz="2400" b="1" dirty="0"/>
+              <a:t>Three software products</a:t>
+            </a:r>
+          </a:p>
+          <a:p>
+            <a:pPr lvl="1"/>
+            <a:r>
+              <a:rPr lang="en-US" sz="2400" dirty="0"/>
+              <a:t>Why do we need 3 different software products?</a:t>
+            </a:r>
+          </a:p>
+          <a:p>
+            <a:pPr lvl="1"/>
+            <a:endParaRPr lang="en-US" sz="2400" dirty="0"/>
+          </a:p>
+          <a:p>
+            <a:r>
+              <a:rPr lang="en-US" sz="2400" b="1" dirty="0"/>
+              <a:t>Create Web page</a:t>
+            </a:r>
+          </a:p>
+          <a:p>
+            <a:pPr lvl="1"/>
+            <a:r>
+              <a:rPr lang="en-US" sz="2400" dirty="0"/>
+              <a:t>MySQL workbench / phpMyAdmin</a:t>
+            </a:r>
+          </a:p>
+          <a:p>
+            <a:pPr lvl="1"/>
+            <a:r>
+              <a:rPr lang="en-US" sz="2400" dirty="0"/>
+              <a:t>Static web page</a:t>
+            </a:r>
+          </a:p>
+          <a:p>
+            <a:pPr lvl="1"/>
+            <a:r>
+              <a:rPr lang="en-US" sz="2400" dirty="0"/>
+              <a:t>Dynamic web page</a:t>
+            </a:r>
+          </a:p>
+          <a:p>
+            <a:r>
+              <a:rPr lang="en-US" sz="2400" b="1" dirty="0"/>
+              <a:t>Class exercise</a:t>
+            </a:r>
+          </a:p>
+          <a:p>
+            <a:endParaRPr lang="en-US" sz="2800" dirty="0"/>
+          </a:p>
+        </p:txBody>
+      </p:sp>
+    </p:spTree>
+    <p:extLst>
+      <p:ext uri="{BB962C8B-B14F-4D97-AF65-F5344CB8AC3E}">
+        <p14:creationId xmlns:p14="http://schemas.microsoft.com/office/powerpoint/2010/main" val="1360968135"/>
+      </p:ext>
+    </p:extLst>
+  </p:cSld>
+  <p:clrMapOvr>
+    <a:masterClrMapping/>
+  </p:clrMapOvr>
+</p:sld>
+</file>
+
+<file path=ppt/slides/slide20.xml><?xml version="1.0" encoding="utf-8"?>
+<p:sld xmlns:a="http://schemas.openxmlformats.org/drawingml/2006/main" xmlns:r="http://schemas.openxmlformats.org/officeDocument/2006/relationships" xmlns:p="http://schemas.openxmlformats.org/presentationml/2006/main">
+  <p:cSld>
+    <p:spTree>
+      <p:nvGrpSpPr>
+        <p:cNvPr id="1" name=""/>
+        <p:cNvGrpSpPr/>
+        <p:nvPr/>
+      </p:nvGrpSpPr>
+      <p:grpSpPr>
+        <a:xfrm>
+          <a:off x="0" y="0"/>
+          <a:ext cx="0" cy="0"/>
+          <a:chOff x="0" y="0"/>
+          <a:chExt cx="0" cy="0"/>
+        </a:xfrm>
+      </p:grpSpPr>
+      <p:sp>
+        <p:nvSpPr>
+          <p:cNvPr id="2" name="Title 1"/>
+          <p:cNvSpPr>
+            <a:spLocks noGrp="1"/>
+          </p:cNvSpPr>
+          <p:nvPr>
+            <p:ph type="title"/>
+          </p:nvPr>
+        </p:nvSpPr>
+        <p:spPr/>
+        <p:txBody>
+          <a:bodyPr/>
+          <a:lstStyle/>
+          <a:p>
+            <a:r>
+              <a:rPr lang="en-US" dirty="0"/>
               <a:t>2 - Dynamic web page</a:t>
             </a:r>
           </a:p>
@@ -6643,7 +7458,7 @@
           <a:p>
             <a:fld id="{AE04BB3B-7A3C-3E4C-B0E2-543257794554}" type="slidenum">
               <a:rPr lang="en-US" smtClean="0"/>
-              <a:t>19</a:t>
+              <a:t>20</a:t>
             </a:fld>
             <a:endParaRPr lang="en-US" dirty="0"/>
           </a:p>
@@ -6686,340 +7501,6 @@
 </p:sld>
 </file>
 
-<file path=ppt/slides/slide2.xml><?xml version="1.0" encoding="utf-8"?>
-<p:sld xmlns:a="http://schemas.openxmlformats.org/drawingml/2006/main" xmlns:r="http://schemas.openxmlformats.org/officeDocument/2006/relationships" xmlns:p="http://schemas.openxmlformats.org/presentationml/2006/main">
-  <p:cSld>
-    <p:spTree>
-      <p:nvGrpSpPr>
-        <p:cNvPr id="1" name=""/>
-        <p:cNvGrpSpPr/>
-        <p:nvPr/>
-      </p:nvGrpSpPr>
-      <p:grpSpPr>
-        <a:xfrm>
-          <a:off x="0" y="0"/>
-          <a:ext cx="0" cy="0"/>
-          <a:chOff x="0" y="0"/>
-          <a:chExt cx="0" cy="0"/>
-        </a:xfrm>
-      </p:grpSpPr>
-      <p:sp>
-        <p:nvSpPr>
-          <p:cNvPr id="2" name="Title 1"/>
-          <p:cNvSpPr>
-            <a:spLocks noGrp="1"/>
-          </p:cNvSpPr>
-          <p:nvPr>
-            <p:ph type="title"/>
-          </p:nvPr>
-        </p:nvSpPr>
-        <p:spPr/>
-        <p:txBody>
-          <a:bodyPr/>
-          <a:lstStyle/>
-          <a:p>
-            <a:r>
-              <a:rPr lang="en-US" dirty="0"/>
-              <a:t>Outline</a:t>
-            </a:r>
-          </a:p>
-        </p:txBody>
-      </p:sp>
-      <p:sp>
-        <p:nvSpPr>
-          <p:cNvPr id="3" name="Content Placeholder 2"/>
-          <p:cNvSpPr>
-            <a:spLocks noGrp="1"/>
-          </p:cNvSpPr>
-          <p:nvPr>
-            <p:ph idx="1"/>
-          </p:nvPr>
-        </p:nvSpPr>
-        <p:spPr>
-          <a:xfrm>
-            <a:off x="822960" y="1737361"/>
-            <a:ext cx="7543801" cy="4467980"/>
-          </a:xfrm>
-        </p:spPr>
-        <p:txBody>
-          <a:bodyPr>
-            <a:noAutofit/>
-          </a:bodyPr>
-          <a:lstStyle/>
-          <a:p>
-            <a:r>
-              <a:rPr lang="en-US" sz="2400" b="1" dirty="0"/>
-              <a:t>Three software products</a:t>
-            </a:r>
-          </a:p>
-          <a:p>
-            <a:pPr lvl="1"/>
-            <a:r>
-              <a:rPr lang="en-US" sz="2400" dirty="0"/>
-              <a:t>Why do we need 3 different software products?</a:t>
-            </a:r>
-          </a:p>
-          <a:p>
-            <a:pPr lvl="1"/>
-            <a:endParaRPr lang="en-US" sz="2400" dirty="0"/>
-          </a:p>
-          <a:p>
-            <a:r>
-              <a:rPr lang="en-US" sz="2400" b="1" dirty="0"/>
-              <a:t>Create Web page</a:t>
-            </a:r>
-          </a:p>
-          <a:p>
-            <a:pPr lvl="1"/>
-            <a:r>
-              <a:rPr lang="en-US" sz="2400" dirty="0"/>
-              <a:t>MySQL workbench / phpMyAdmin</a:t>
-            </a:r>
-          </a:p>
-          <a:p>
-            <a:pPr lvl="1"/>
-            <a:r>
-              <a:rPr lang="en-US" sz="2400" dirty="0"/>
-              <a:t>Static web page</a:t>
-            </a:r>
-          </a:p>
-          <a:p>
-            <a:pPr lvl="1"/>
-            <a:r>
-              <a:rPr lang="en-US" sz="2400" dirty="0"/>
-              <a:t>Dynamic web page</a:t>
-            </a:r>
-          </a:p>
-          <a:p>
-            <a:r>
-              <a:rPr lang="en-US" sz="2400" b="1" dirty="0"/>
-              <a:t>Class exercise</a:t>
-            </a:r>
-          </a:p>
-          <a:p>
-            <a:endParaRPr lang="en-US" sz="2800" dirty="0"/>
-          </a:p>
-        </p:txBody>
-      </p:sp>
-    </p:spTree>
-    <p:extLst>
-      <p:ext uri="{BB962C8B-B14F-4D97-AF65-F5344CB8AC3E}">
-        <p14:creationId xmlns:p14="http://schemas.microsoft.com/office/powerpoint/2010/main" val="1360968135"/>
-      </p:ext>
-    </p:extLst>
-  </p:cSld>
-  <p:clrMapOvr>
-    <a:masterClrMapping/>
-  </p:clrMapOvr>
-</p:sld>
-</file>
-
-<file path=ppt/slides/slide20.xml><?xml version="1.0" encoding="utf-8"?>
-<p:sld xmlns:a="http://schemas.openxmlformats.org/drawingml/2006/main" xmlns:r="http://schemas.openxmlformats.org/officeDocument/2006/relationships" xmlns:p="http://schemas.openxmlformats.org/presentationml/2006/main">
-  <p:cSld>
-    <p:spTree>
-      <p:nvGrpSpPr>
-        <p:cNvPr id="1" name=""/>
-        <p:cNvGrpSpPr/>
-        <p:nvPr/>
-      </p:nvGrpSpPr>
-      <p:grpSpPr>
-        <a:xfrm>
-          <a:off x="0" y="0"/>
-          <a:ext cx="0" cy="0"/>
-          <a:chOff x="0" y="0"/>
-          <a:chExt cx="0" cy="0"/>
-        </a:xfrm>
-      </p:grpSpPr>
-      <p:sp>
-        <p:nvSpPr>
-          <p:cNvPr id="2" name="Title 1"/>
-          <p:cNvSpPr>
-            <a:spLocks noGrp="1"/>
-          </p:cNvSpPr>
-          <p:nvPr>
-            <p:ph type="title"/>
-          </p:nvPr>
-        </p:nvSpPr>
-        <p:spPr/>
-        <p:txBody>
-          <a:bodyPr/>
-          <a:lstStyle/>
-          <a:p>
-            <a:r>
-              <a:rPr lang="en-US" dirty="0"/>
-              <a:t>3 - Dynamic web page</a:t>
-            </a:r>
-          </a:p>
-        </p:txBody>
-      </p:sp>
-      <p:sp>
-        <p:nvSpPr>
-          <p:cNvPr id="3" name="Date Placeholder 2"/>
-          <p:cNvSpPr>
-            <a:spLocks noGrp="1"/>
-          </p:cNvSpPr>
-          <p:nvPr>
-            <p:ph type="dt" sz="half" idx="10"/>
-          </p:nvPr>
-        </p:nvSpPr>
-        <p:spPr/>
-        <p:txBody>
-          <a:bodyPr/>
-          <a:lstStyle/>
-          <a:p>
-            <a:r>
-              <a:rPr lang="en-US"/>
-              <a:t>9/27/15</a:t>
-            </a:r>
-          </a:p>
-        </p:txBody>
-      </p:sp>
-      <p:sp>
-        <p:nvSpPr>
-          <p:cNvPr id="4" name="Slide Number Placeholder 3"/>
-          <p:cNvSpPr>
-            <a:spLocks noGrp="1"/>
-          </p:cNvSpPr>
-          <p:nvPr>
-            <p:ph type="sldNum" sz="quarter" idx="12"/>
-          </p:nvPr>
-        </p:nvSpPr>
-        <p:spPr/>
-        <p:txBody>
-          <a:bodyPr/>
-          <a:lstStyle/>
-          <a:p>
-            <a:fld id="{AE04BB3B-7A3C-3E4C-B0E2-543257794554}" type="slidenum">
-              <a:rPr lang="en-US" smtClean="0"/>
-              <a:t>20</a:t>
-            </a:fld>
-            <a:endParaRPr lang="en-US"/>
-          </a:p>
-        </p:txBody>
-      </p:sp>
-      <p:sp>
-        <p:nvSpPr>
-          <p:cNvPr id="5" name="Content Placeholder 4"/>
-          <p:cNvSpPr>
-            <a:spLocks noGrp="1"/>
-          </p:cNvSpPr>
-          <p:nvPr>
-            <p:ph sz="quarter" idx="1"/>
-          </p:nvPr>
-        </p:nvSpPr>
-        <p:spPr/>
-        <p:txBody>
-          <a:bodyPr>
-            <a:normAutofit/>
-          </a:bodyPr>
-          <a:lstStyle/>
-          <a:p>
-            <a:r>
-              <a:rPr lang="en-US" sz="2800" dirty="0"/>
-              <a:t>Let’s create a MySQL user [demo]</a:t>
-            </a:r>
-          </a:p>
-          <a:p>
-            <a:r>
-              <a:rPr lang="en-US" sz="2800" dirty="0" err="1"/>
-              <a:t>phpMyAdmin</a:t>
-            </a:r>
-            <a:r>
-              <a:rPr lang="en-US" sz="2800" dirty="0"/>
-              <a:t>=&gt;Privileges=&gt;Add user</a:t>
-            </a:r>
-          </a:p>
-        </p:txBody>
-      </p:sp>
-      <p:pic>
-        <p:nvPicPr>
-          <p:cNvPr id="6" name="Picture 5"/>
-          <p:cNvPicPr>
-            <a:picLocks noChangeAspect="1"/>
-          </p:cNvPicPr>
-          <p:nvPr/>
-        </p:nvPicPr>
-        <p:blipFill>
-          <a:blip r:embed="rId2"/>
-          <a:stretch>
-            <a:fillRect/>
-          </a:stretch>
-        </p:blipFill>
-        <p:spPr>
-          <a:xfrm>
-            <a:off x="761998" y="2891246"/>
-            <a:ext cx="7417613" cy="3846578"/>
-          </a:xfrm>
-          <a:prstGeom prst="rect">
-            <a:avLst/>
-          </a:prstGeom>
-        </p:spPr>
-      </p:pic>
-      <p:sp>
-        <p:nvSpPr>
-          <p:cNvPr id="7" name="TextBox 6">
-            <a:extLst>
-              <a:ext uri="{FF2B5EF4-FFF2-40B4-BE49-F238E27FC236}">
-                <a16:creationId xmlns:a16="http://schemas.microsoft.com/office/drawing/2014/main" id="{8C1F4FAF-A59E-A245-A62E-621434DB15D4}"/>
-              </a:ext>
-            </a:extLst>
-          </p:cNvPr>
-          <p:cNvSpPr txBox="1"/>
-          <p:nvPr/>
-        </p:nvSpPr>
-        <p:spPr>
-          <a:xfrm>
-            <a:off x="3348990" y="6046470"/>
-            <a:ext cx="1368965" cy="369332"/>
-          </a:xfrm>
-          <a:prstGeom prst="rect">
-            <a:avLst/>
-          </a:prstGeom>
-          <a:noFill/>
-        </p:spPr>
-        <p:txBody>
-          <a:bodyPr wrap="none" rtlCol="0">
-            <a:spAutoFit/>
-          </a:bodyPr>
-          <a:lstStyle/>
-          <a:p>
-            <a:r>
-              <a:rPr lang="en-US" dirty="0">
-                <a:solidFill>
-                  <a:srgbClr val="FF0000"/>
-                </a:solidFill>
-              </a:rPr>
-              <a:t>All</a:t>
-            </a:r>
-            <a:r>
-              <a:rPr lang="en-US" dirty="0"/>
-              <a:t> </a:t>
-            </a:r>
-            <a:r>
-              <a:rPr lang="en-US" dirty="0">
-                <a:solidFill>
-                  <a:srgbClr val="FF0000"/>
-                </a:solidFill>
-              </a:rPr>
-              <a:t>privileges</a:t>
-            </a:r>
-          </a:p>
-        </p:txBody>
-      </p:sp>
-    </p:spTree>
-    <p:extLst>
-      <p:ext uri="{BB962C8B-B14F-4D97-AF65-F5344CB8AC3E}">
-        <p14:creationId xmlns:p14="http://schemas.microsoft.com/office/powerpoint/2010/main" val="29472276"/>
-      </p:ext>
-    </p:extLst>
-  </p:cSld>
-  <p:clrMapOvr>
-    <a:masterClrMapping/>
-  </p:clrMapOvr>
-</p:sld>
-</file>
-
 <file path=ppt/slides/slide21.xml><?xml version="1.0" encoding="utf-8"?>
 <p:sld xmlns:a="http://schemas.openxmlformats.org/drawingml/2006/main" xmlns:r="http://schemas.openxmlformats.org/officeDocument/2006/relationships" xmlns:p="http://schemas.openxmlformats.org/presentationml/2006/main">
   <p:cSld>
@@ -7049,6 +7530,223 @@
         </p:nvSpPr>
         <p:spPr/>
         <p:txBody>
+          <a:bodyPr/>
+          <a:lstStyle/>
+          <a:p>
+            <a:r>
+              <a:rPr lang="en-US" dirty="0"/>
+              <a:t>3 - Dynamic web page</a:t>
+            </a:r>
+          </a:p>
+        </p:txBody>
+      </p:sp>
+      <p:sp>
+        <p:nvSpPr>
+          <p:cNvPr id="3" name="Date Placeholder 2"/>
+          <p:cNvSpPr>
+            <a:spLocks noGrp="1"/>
+          </p:cNvSpPr>
+          <p:nvPr>
+            <p:ph type="dt" sz="half" idx="10"/>
+          </p:nvPr>
+        </p:nvSpPr>
+        <p:spPr/>
+        <p:txBody>
+          <a:bodyPr/>
+          <a:lstStyle/>
+          <a:p>
+            <a:r>
+              <a:rPr lang="en-US"/>
+              <a:t>9/27/15</a:t>
+            </a:r>
+          </a:p>
+        </p:txBody>
+      </p:sp>
+      <p:sp>
+        <p:nvSpPr>
+          <p:cNvPr id="4" name="Slide Number Placeholder 3"/>
+          <p:cNvSpPr>
+            <a:spLocks noGrp="1"/>
+          </p:cNvSpPr>
+          <p:nvPr>
+            <p:ph type="sldNum" sz="quarter" idx="12"/>
+          </p:nvPr>
+        </p:nvSpPr>
+        <p:spPr/>
+        <p:txBody>
+          <a:bodyPr/>
+          <a:lstStyle/>
+          <a:p>
+            <a:fld id="{AE04BB3B-7A3C-3E4C-B0E2-543257794554}" type="slidenum">
+              <a:rPr lang="en-US" smtClean="0"/>
+              <a:t>21</a:t>
+            </a:fld>
+            <a:endParaRPr lang="en-US"/>
+          </a:p>
+        </p:txBody>
+      </p:sp>
+      <p:sp>
+        <p:nvSpPr>
+          <p:cNvPr id="5" name="Content Placeholder 4"/>
+          <p:cNvSpPr>
+            <a:spLocks noGrp="1"/>
+          </p:cNvSpPr>
+          <p:nvPr>
+            <p:ph sz="quarter" idx="1"/>
+          </p:nvPr>
+        </p:nvSpPr>
+        <p:spPr/>
+        <p:txBody>
+          <a:bodyPr>
+            <a:normAutofit/>
+          </a:bodyPr>
+          <a:lstStyle/>
+          <a:p>
+            <a:r>
+              <a:rPr lang="en-US" sz="2400" dirty="0"/>
+              <a:t>Let’s create a MySQL user [demo]</a:t>
+            </a:r>
+          </a:p>
+          <a:p>
+            <a:r>
+              <a:rPr lang="en-US" sz="2400" dirty="0"/>
+              <a:t>phpMyAdmin=&gt;Privileges=&gt;Add user (Windows)</a:t>
+            </a:r>
+          </a:p>
+          <a:p>
+            <a:r>
+              <a:rPr lang="en-US" sz="2400" dirty="0"/>
+              <a:t>phpMyAdmin=&gt;User account=&gt;Add user (Mac)</a:t>
+            </a:r>
+          </a:p>
+          <a:p>
+            <a:endParaRPr lang="en-US" sz="2800" dirty="0"/>
+          </a:p>
+        </p:txBody>
+      </p:sp>
+      <p:pic>
+        <p:nvPicPr>
+          <p:cNvPr id="6" name="Picture 5"/>
+          <p:cNvPicPr>
+            <a:picLocks noChangeAspect="1"/>
+          </p:cNvPicPr>
+          <p:nvPr/>
+        </p:nvPicPr>
+        <p:blipFill>
+          <a:blip r:embed="rId2"/>
+          <a:stretch>
+            <a:fillRect/>
+          </a:stretch>
+        </p:blipFill>
+        <p:spPr>
+          <a:xfrm>
+            <a:off x="1043709" y="3262108"/>
+            <a:ext cx="6720266" cy="3484952"/>
+          </a:xfrm>
+          <a:prstGeom prst="rect">
+            <a:avLst/>
+          </a:prstGeom>
+        </p:spPr>
+      </p:pic>
+      <p:sp>
+        <p:nvSpPr>
+          <p:cNvPr id="7" name="TextBox 6">
+            <a:extLst>
+              <a:ext uri="{FF2B5EF4-FFF2-40B4-BE49-F238E27FC236}">
+                <a16:creationId xmlns:a16="http://schemas.microsoft.com/office/drawing/2014/main" id="{8C1F4FAF-A59E-A245-A62E-621434DB15D4}"/>
+              </a:ext>
+            </a:extLst>
+          </p:cNvPr>
+          <p:cNvSpPr txBox="1"/>
+          <p:nvPr/>
+        </p:nvSpPr>
+        <p:spPr>
+          <a:xfrm>
+            <a:off x="6480117" y="4273088"/>
+            <a:ext cx="2082943" cy="646331"/>
+          </a:xfrm>
+          <a:prstGeom prst="rect">
+            <a:avLst/>
+          </a:prstGeom>
+          <a:noFill/>
+        </p:spPr>
+        <p:txBody>
+          <a:bodyPr wrap="none" rtlCol="0">
+            <a:spAutoFit/>
+          </a:bodyPr>
+          <a:lstStyle/>
+          <a:p>
+            <a:pPr marL="285750" indent="-285750">
+              <a:buFont typeface="Arial" panose="020B0604020202020204" pitchFamily="34" charset="0"/>
+              <a:buChar char="•"/>
+            </a:pPr>
+            <a:r>
+              <a:rPr lang="en-US" dirty="0">
+                <a:solidFill>
+                  <a:srgbClr val="FF0000"/>
+                </a:solidFill>
+              </a:rPr>
+              <a:t>All privileges</a:t>
+            </a:r>
+          </a:p>
+          <a:p>
+            <a:pPr marL="285750" indent="-285750">
+              <a:buFont typeface="Arial" panose="020B0604020202020204" pitchFamily="34" charset="0"/>
+              <a:buChar char="•"/>
+            </a:pPr>
+            <a:r>
+              <a:rPr lang="en-US" dirty="0">
+                <a:solidFill>
+                  <a:srgbClr val="FF0000"/>
+                </a:solidFill>
+              </a:rPr>
+              <a:t>Host name: Local</a:t>
+            </a:r>
+          </a:p>
+        </p:txBody>
+      </p:sp>
+    </p:spTree>
+    <p:extLst>
+      <p:ext uri="{BB962C8B-B14F-4D97-AF65-F5344CB8AC3E}">
+        <p14:creationId xmlns:p14="http://schemas.microsoft.com/office/powerpoint/2010/main" val="29472276"/>
+      </p:ext>
+    </p:extLst>
+  </p:cSld>
+  <p:clrMapOvr>
+    <a:masterClrMapping/>
+  </p:clrMapOvr>
+</p:sld>
+</file>
+
+<file path=ppt/slides/slide22.xml><?xml version="1.0" encoding="utf-8"?>
+<p:sld xmlns:a="http://schemas.openxmlformats.org/drawingml/2006/main" xmlns:r="http://schemas.openxmlformats.org/officeDocument/2006/relationships" xmlns:p="http://schemas.openxmlformats.org/presentationml/2006/main">
+  <p:cSld>
+    <p:spTree>
+      <p:nvGrpSpPr>
+        <p:cNvPr id="1" name=""/>
+        <p:cNvGrpSpPr/>
+        <p:nvPr/>
+      </p:nvGrpSpPr>
+      <p:grpSpPr>
+        <a:xfrm>
+          <a:off x="0" y="0"/>
+          <a:ext cx="0" cy="0"/>
+          <a:chOff x="0" y="0"/>
+          <a:chExt cx="0" cy="0"/>
+        </a:xfrm>
+      </p:grpSpPr>
+      <p:sp>
+        <p:nvSpPr>
+          <p:cNvPr id="2" name="Title 1"/>
+          <p:cNvSpPr>
+            <a:spLocks noGrp="1"/>
+          </p:cNvSpPr>
+          <p:nvPr>
+            <p:ph type="title"/>
+          </p:nvPr>
+        </p:nvSpPr>
+        <p:spPr/>
+        <p:txBody>
           <a:bodyPr>
             <a:normAutofit/>
           </a:bodyPr>
@@ -7153,7 +7851,7 @@
           <a:p>
             <a:fld id="{AE04BB3B-7A3C-3E4C-B0E2-543257794554}" type="slidenum">
               <a:rPr lang="en-US" smtClean="0"/>
-              <a:t>21</a:t>
+              <a:t>22</a:t>
             </a:fld>
             <a:endParaRPr lang="en-US"/>
           </a:p>
@@ -7196,7 +7894,7 @@
 </p:sld>
 </file>
 
-<file path=ppt/slides/slide22.xml><?xml version="1.0" encoding="utf-8"?>
+<file path=ppt/slides/slide23.xml><?xml version="1.0" encoding="utf-8"?>
 <p:sld xmlns:a="http://schemas.openxmlformats.org/drawingml/2006/main" xmlns:r="http://schemas.openxmlformats.org/officeDocument/2006/relationships" xmlns:p="http://schemas.openxmlformats.org/presentationml/2006/main">
   <p:cSld>
     <p:spTree>
@@ -7249,7 +7947,7 @@
           <p:nvPr/>
         </p:nvPicPr>
         <p:blipFill>
-          <a:blip r:embed="rId2"/>
+          <a:blip r:embed="rId3"/>
           <a:stretch>
             <a:fillRect/>
           </a:stretch>
@@ -7324,7 +8022,7 @@
 </p:sld>
 </file>
 
-<file path=ppt/slides/slide23.xml><?xml version="1.0" encoding="utf-8"?>
+<file path=ppt/slides/slide24.xml><?xml version="1.0" encoding="utf-8"?>
 <p:sld xmlns:a="http://schemas.openxmlformats.org/drawingml/2006/main" xmlns:r="http://schemas.openxmlformats.org/officeDocument/2006/relationships" xmlns:p="http://schemas.openxmlformats.org/presentationml/2006/main">
   <p:cSld>
     <p:spTree>
@@ -7440,7 +8138,7 @@
           <a:p>
             <a:fld id="{AE04BB3B-7A3C-3E4C-B0E2-543257794554}" type="slidenum">
               <a:rPr lang="en-US" smtClean="0"/>
-              <a:t>23</a:t>
+              <a:t>24</a:t>
             </a:fld>
             <a:endParaRPr lang="en-US"/>
           </a:p>
@@ -7470,6 +8168,58 @@
           </a:prstGeom>
         </p:spPr>
       </p:pic>
+      <p:sp>
+        <p:nvSpPr>
+          <p:cNvPr id="6" name="TextBox 5">
+            <a:extLst>
+              <a:ext uri="{FF2B5EF4-FFF2-40B4-BE49-F238E27FC236}">
+                <a16:creationId xmlns:a16="http://schemas.microsoft.com/office/drawing/2014/main" id="{B3DB9DEE-0E0B-E248-AB29-DE1FF26A3D06}"/>
+              </a:ext>
+            </a:extLst>
+          </p:cNvPr>
+          <p:cNvSpPr txBox="1"/>
+          <p:nvPr/>
+        </p:nvSpPr>
+        <p:spPr>
+          <a:xfrm>
+            <a:off x="2677164" y="4604174"/>
+            <a:ext cx="2638479" cy="369332"/>
+          </a:xfrm>
+          <a:prstGeom prst="rect">
+            <a:avLst/>
+          </a:prstGeom>
+          <a:noFill/>
+        </p:spPr>
+        <p:txBody>
+          <a:bodyPr wrap="none" rtlCol="0">
+            <a:spAutoFit/>
+          </a:bodyPr>
+          <a:lstStyle/>
+          <a:p>
+            <a:r>
+              <a:rPr lang="en-US" dirty="0">
+                <a:solidFill>
+                  <a:srgbClr val="FF0000"/>
+                </a:solidFill>
+              </a:rPr>
+              <a:t>From </a:t>
+            </a:r>
+            <a:r>
+              <a:rPr lang="en-US" dirty="0" err="1">
+                <a:solidFill>
+                  <a:srgbClr val="FF0000"/>
+                </a:solidFill>
+              </a:rPr>
+              <a:t>database.tablename</a:t>
+            </a:r>
+            <a:endParaRPr lang="en-US" dirty="0">
+              <a:solidFill>
+                <a:srgbClr val="FF0000"/>
+              </a:solidFill>
+            </a:endParaRPr>
+          </a:p>
+        </p:txBody>
+      </p:sp>
     </p:spTree>
     <p:extLst>
       <p:ext uri="{BB962C8B-B14F-4D97-AF65-F5344CB8AC3E}">
@@ -7483,7 +8233,7 @@
 </p:sld>
 </file>
 
-<file path=ppt/slides/slide24.xml><?xml version="1.0" encoding="utf-8"?>
+<file path=ppt/slides/slide25.xml><?xml version="1.0" encoding="utf-8"?>
 <p:sld xmlns:a="http://schemas.openxmlformats.org/drawingml/2006/main" xmlns:r="http://schemas.openxmlformats.org/officeDocument/2006/relationships" xmlns:p="http://schemas.openxmlformats.org/presentationml/2006/main">
   <p:cSld>
     <p:spTree>
@@ -7590,7 +8340,7 @@
           <a:p>
             <a:fld id="{AE04BB3B-7A3C-3E4C-B0E2-543257794554}" type="slidenum">
               <a:rPr lang="en-US" smtClean="0"/>
-              <a:t>24</a:t>
+              <a:t>25</a:t>
             </a:fld>
             <a:endParaRPr lang="en-US"/>
           </a:p>
@@ -7633,7 +8383,7 @@
 </p:sld>
 </file>
 
-<file path=ppt/slides/slide25.xml><?xml version="1.0" encoding="utf-8"?>
+<file path=ppt/slides/slide26.xml><?xml version="1.0" encoding="utf-8"?>
 <p:sld xmlns:a="http://schemas.openxmlformats.org/drawingml/2006/main" xmlns:r="http://schemas.openxmlformats.org/officeDocument/2006/relationships" xmlns:p="http://schemas.openxmlformats.org/presentationml/2006/main">
   <p:cSld>
     <p:spTree>
@@ -7728,7 +8478,7 @@
 </p:sld>
 </file>
 
-<file path=ppt/slides/slide26.xml><?xml version="1.0" encoding="utf-8"?>
+<file path=ppt/slides/slide27.xml><?xml version="1.0" encoding="utf-8"?>
 <p:sld xmlns:a="http://schemas.openxmlformats.org/drawingml/2006/main" xmlns:r="http://schemas.openxmlformats.org/officeDocument/2006/relationships" xmlns:p="http://schemas.openxmlformats.org/presentationml/2006/main">
   <p:cSld>
     <p:spTree>
@@ -7830,7 +8580,7 @@
 </p:sld>
 </file>
 
-<file path=ppt/slides/slide27.xml><?xml version="1.0" encoding="utf-8"?>
+<file path=ppt/slides/slide28.xml><?xml version="1.0" encoding="utf-8"?>
 <p:sld xmlns:a="http://schemas.openxmlformats.org/drawingml/2006/main" xmlns:r="http://schemas.openxmlformats.org/officeDocument/2006/relationships" xmlns:p="http://schemas.openxmlformats.org/presentationml/2006/main">
   <p:cSld>
     <p:spTree>
@@ -7918,78 +8668,6 @@
     <p:extLst>
       <p:ext uri="{BB962C8B-B14F-4D97-AF65-F5344CB8AC3E}">
         <p14:creationId xmlns:p14="http://schemas.microsoft.com/office/powerpoint/2010/main" val="767418154"/>
-      </p:ext>
-    </p:extLst>
-  </p:cSld>
-  <p:clrMapOvr>
-    <a:masterClrMapping/>
-  </p:clrMapOvr>
-</p:sld>
-</file>
-
-<file path=ppt/slides/slide28.xml><?xml version="1.0" encoding="utf-8"?>
-<p:sld xmlns:a="http://schemas.openxmlformats.org/drawingml/2006/main" xmlns:r="http://schemas.openxmlformats.org/officeDocument/2006/relationships" xmlns:p="http://schemas.openxmlformats.org/presentationml/2006/main">
-  <p:cSld>
-    <p:spTree>
-      <p:nvGrpSpPr>
-        <p:cNvPr id="1" name=""/>
-        <p:cNvGrpSpPr/>
-        <p:nvPr/>
-      </p:nvGrpSpPr>
-      <p:grpSpPr>
-        <a:xfrm>
-          <a:off x="0" y="0"/>
-          <a:ext cx="0" cy="0"/>
-          <a:chOff x="0" y="0"/>
-          <a:chExt cx="0" cy="0"/>
-        </a:xfrm>
-      </p:grpSpPr>
-      <p:sp>
-        <p:nvSpPr>
-          <p:cNvPr id="4" name="Title 3"/>
-          <p:cNvSpPr>
-            <a:spLocks noGrp="1"/>
-          </p:cNvSpPr>
-          <p:nvPr>
-            <p:ph type="title"/>
-          </p:nvPr>
-        </p:nvSpPr>
-        <p:spPr/>
-        <p:txBody>
-          <a:bodyPr/>
-          <a:lstStyle/>
-          <a:p>
-            <a:r>
-              <a:rPr lang="en-US" dirty="0"/>
-              <a:t>Class exercise</a:t>
-            </a:r>
-            <a:endParaRPr lang="en-US" sz="4400" dirty="0"/>
-          </a:p>
-        </p:txBody>
-      </p:sp>
-      <p:sp>
-        <p:nvSpPr>
-          <p:cNvPr id="5" name="Text Placeholder 4"/>
-          <p:cNvSpPr>
-            <a:spLocks noGrp="1"/>
-          </p:cNvSpPr>
-          <p:nvPr>
-            <p:ph type="body" idx="1"/>
-          </p:nvPr>
-        </p:nvSpPr>
-        <p:spPr/>
-        <p:txBody>
-          <a:bodyPr/>
-          <a:lstStyle/>
-          <a:p>
-            <a:endParaRPr lang="en-US" dirty="0"/>
-          </a:p>
-        </p:txBody>
-      </p:sp>
-    </p:spTree>
-    <p:extLst>
-      <p:ext uri="{BB962C8B-B14F-4D97-AF65-F5344CB8AC3E}">
-        <p14:creationId xmlns:p14="http://schemas.microsoft.com/office/powerpoint/2010/main" val="2103518219"/>
       </p:ext>
     </p:extLst>
   </p:cSld>
@@ -8018,6 +8696,256 @@
       </p:grpSpPr>
       <p:sp>
         <p:nvSpPr>
+          <p:cNvPr id="4" name="Title 3"/>
+          <p:cNvSpPr>
+            <a:spLocks noGrp="1"/>
+          </p:cNvSpPr>
+          <p:nvPr>
+            <p:ph type="title"/>
+          </p:nvPr>
+        </p:nvSpPr>
+        <p:spPr/>
+        <p:txBody>
+          <a:bodyPr/>
+          <a:lstStyle/>
+          <a:p>
+            <a:r>
+              <a:rPr lang="en-US" dirty="0"/>
+              <a:t>Class exercise</a:t>
+            </a:r>
+            <a:endParaRPr lang="en-US" sz="4400" dirty="0"/>
+          </a:p>
+        </p:txBody>
+      </p:sp>
+      <p:sp>
+        <p:nvSpPr>
+          <p:cNvPr id="5" name="Text Placeholder 4"/>
+          <p:cNvSpPr>
+            <a:spLocks noGrp="1"/>
+          </p:cNvSpPr>
+          <p:nvPr>
+            <p:ph type="body" idx="1"/>
+          </p:nvPr>
+        </p:nvSpPr>
+        <p:spPr/>
+        <p:txBody>
+          <a:bodyPr/>
+          <a:lstStyle/>
+          <a:p>
+            <a:endParaRPr lang="en-US" dirty="0"/>
+          </a:p>
+        </p:txBody>
+      </p:sp>
+    </p:spTree>
+    <p:extLst>
+      <p:ext uri="{BB962C8B-B14F-4D97-AF65-F5344CB8AC3E}">
+        <p14:creationId xmlns:p14="http://schemas.microsoft.com/office/powerpoint/2010/main" val="2103518219"/>
+      </p:ext>
+    </p:extLst>
+  </p:cSld>
+  <p:clrMapOvr>
+    <a:masterClrMapping/>
+  </p:clrMapOvr>
+</p:sld>
+</file>
+
+<file path=ppt/slides/slide3.xml><?xml version="1.0" encoding="utf-8"?>
+<p:sld xmlns:a="http://schemas.openxmlformats.org/drawingml/2006/main" xmlns:r="http://schemas.openxmlformats.org/officeDocument/2006/relationships" xmlns:p="http://schemas.openxmlformats.org/presentationml/2006/main">
+  <p:cSld>
+    <p:spTree>
+      <p:nvGrpSpPr>
+        <p:cNvPr id="1" name=""/>
+        <p:cNvGrpSpPr/>
+        <p:nvPr/>
+      </p:nvGrpSpPr>
+      <p:grpSpPr>
+        <a:xfrm>
+          <a:off x="0" y="0"/>
+          <a:ext cx="0" cy="0"/>
+          <a:chOff x="0" y="0"/>
+          <a:chExt cx="0" cy="0"/>
+        </a:xfrm>
+      </p:grpSpPr>
+      <p:sp>
+        <p:nvSpPr>
+          <p:cNvPr id="2" name="Title 1"/>
+          <p:cNvSpPr>
+            <a:spLocks noGrp="1"/>
+          </p:cNvSpPr>
+          <p:nvPr>
+            <p:ph type="title"/>
+          </p:nvPr>
+        </p:nvSpPr>
+        <p:spPr/>
+        <p:txBody>
+          <a:bodyPr/>
+          <a:lstStyle/>
+          <a:p>
+            <a:r>
+              <a:rPr lang="en-US" dirty="0"/>
+              <a:t>Preparation</a:t>
+            </a:r>
+          </a:p>
+        </p:txBody>
+      </p:sp>
+      <p:sp>
+        <p:nvSpPr>
+          <p:cNvPr id="3" name="Content Placeholder 2"/>
+          <p:cNvSpPr>
+            <a:spLocks noGrp="1"/>
+          </p:cNvSpPr>
+          <p:nvPr>
+            <p:ph idx="1"/>
+          </p:nvPr>
+        </p:nvSpPr>
+        <p:spPr/>
+        <p:txBody>
+          <a:bodyPr>
+            <a:noAutofit/>
+          </a:bodyPr>
+          <a:lstStyle/>
+          <a:p>
+            <a:r>
+              <a:rPr lang="en-US" dirty="0"/>
+              <a:t>Install the software:</a:t>
+            </a:r>
+          </a:p>
+          <a:p>
+            <a:pPr lvl="1"/>
+            <a:r>
+              <a:rPr lang="en-US" sz="2000" dirty="0"/>
+              <a:t>WAMP for windows</a:t>
+            </a:r>
+          </a:p>
+          <a:p>
+            <a:pPr lvl="1"/>
+            <a:r>
+              <a:rPr lang="en-US" sz="2000" dirty="0"/>
+              <a:t>MAMP for Mac</a:t>
+            </a:r>
+          </a:p>
+          <a:p>
+            <a:pPr lvl="1"/>
+            <a:r>
+              <a:rPr lang="en-US" sz="2000" dirty="0"/>
+              <a:t>LAMP for </a:t>
+            </a:r>
+            <a:r>
+              <a:rPr lang="en-US" sz="2000" dirty="0" err="1"/>
+              <a:t>linux</a:t>
+            </a:r>
+            <a:r>
+              <a:rPr lang="en-US" sz="2000" dirty="0"/>
+              <a:t>.</a:t>
+            </a:r>
+          </a:p>
+          <a:p>
+            <a:pPr lvl="1"/>
+            <a:endParaRPr lang="en-US" sz="2000" dirty="0"/>
+          </a:p>
+          <a:p>
+            <a:pPr marL="201168" lvl="1" indent="0">
+              <a:buNone/>
+            </a:pPr>
+            <a:r>
+              <a:rPr lang="en-US" sz="2000" dirty="0"/>
+              <a:t>Install code editor</a:t>
+            </a:r>
+          </a:p>
+          <a:p>
+            <a:pPr lvl="1"/>
+            <a:r>
+              <a:rPr lang="en-US" sz="2000" dirty="0"/>
+              <a:t>Sublime / Atom/ Notepad ++</a:t>
+            </a:r>
+          </a:p>
+          <a:p>
+            <a:r>
+              <a:rPr lang="en-US" dirty="0"/>
+              <a:t>Download the lab materials from</a:t>
+            </a:r>
+            <a:r>
+              <a:rPr lang="zh-CN" altLang="en-US" dirty="0"/>
+              <a:t> </a:t>
+            </a:r>
+            <a:r>
+              <a:rPr lang="en-US" dirty="0"/>
+              <a:t>GitHub</a:t>
+            </a:r>
+            <a:r>
+              <a:rPr lang="zh-CN" altLang="en-US" dirty="0"/>
+              <a:t> </a:t>
+            </a:r>
+            <a:r>
+              <a:rPr lang="en-US" altLang="zh-CN" dirty="0"/>
+              <a:t>link</a:t>
+            </a:r>
+            <a:r>
+              <a:rPr lang="en-US" dirty="0"/>
+              <a:t>, or class webpage.</a:t>
+            </a:r>
+          </a:p>
+          <a:p>
+            <a:r>
+              <a:rPr lang="en-US" dirty="0">
+                <a:hlinkClick r:id="rId2"/>
+              </a:rPr>
+              <a:t>https://github.com/yfamy123/INFSCI2710-lab</a:t>
+            </a:r>
+            <a:endParaRPr lang="en-US" dirty="0"/>
+          </a:p>
+          <a:p>
+            <a:r>
+              <a:rPr lang="en-US" dirty="0">
+                <a:hlinkClick r:id="rId3"/>
+              </a:rPr>
+              <a:t>http://www.pitt.edu/~vizclass/classes/infsci2710/</a:t>
+            </a:r>
+            <a:endParaRPr lang="en-US" dirty="0"/>
+          </a:p>
+          <a:p>
+            <a:r>
+              <a:rPr lang="en-US" dirty="0"/>
+              <a:t>If fail to install the software or forget to take the laptop, find a partner and sit together.</a:t>
+            </a:r>
+          </a:p>
+          <a:p>
+            <a:endParaRPr lang="en-US" dirty="0"/>
+          </a:p>
+        </p:txBody>
+      </p:sp>
+    </p:spTree>
+    <p:extLst>
+      <p:ext uri="{BB962C8B-B14F-4D97-AF65-F5344CB8AC3E}">
+        <p14:creationId xmlns:p14="http://schemas.microsoft.com/office/powerpoint/2010/main" val="1374102991"/>
+      </p:ext>
+    </p:extLst>
+  </p:cSld>
+  <p:clrMapOvr>
+    <a:masterClrMapping/>
+  </p:clrMapOvr>
+</p:sld>
+</file>
+
+<file path=ppt/slides/slide30.xml><?xml version="1.0" encoding="utf-8"?>
+<p:sld xmlns:a="http://schemas.openxmlformats.org/drawingml/2006/main" xmlns:r="http://schemas.openxmlformats.org/officeDocument/2006/relationships" xmlns:p="http://schemas.openxmlformats.org/presentationml/2006/main">
+  <p:cSld>
+    <p:spTree>
+      <p:nvGrpSpPr>
+        <p:cNvPr id="1" name=""/>
+        <p:cNvGrpSpPr/>
+        <p:nvPr/>
+      </p:nvGrpSpPr>
+      <p:grpSpPr>
+        <a:xfrm>
+          <a:off x="0" y="0"/>
+          <a:ext cx="0" cy="0"/>
+          <a:chOff x="0" y="0"/>
+          <a:chExt cx="0" cy="0"/>
+        </a:xfrm>
+      </p:grpSpPr>
+      <p:sp>
+        <p:nvSpPr>
           <p:cNvPr id="2" name="Title 1"/>
           <p:cNvSpPr>
             <a:spLocks noGrp="1"/>
@@ -8079,7 +9007,7 @@
           <a:p>
             <a:fld id="{AE04BB3B-7A3C-3E4C-B0E2-543257794554}" type="slidenum">
               <a:rPr lang="en-US" smtClean="0"/>
-              <a:t>29</a:t>
+              <a:t>30</a:t>
             </a:fld>
             <a:endParaRPr lang="en-US"/>
           </a:p>
@@ -8246,7 +9174,7 @@
 </p:sld>
 </file>
 
-<file path=ppt/slides/slide3.xml><?xml version="1.0" encoding="utf-8"?>
+<file path=ppt/slides/slide31.xml><?xml version="1.0" encoding="utf-8"?>
 <p:sld xmlns:a="http://schemas.openxmlformats.org/drawingml/2006/main" xmlns:r="http://schemas.openxmlformats.org/officeDocument/2006/relationships" xmlns:p="http://schemas.openxmlformats.org/presentationml/2006/main">
   <p:cSld>
     <p:spTree>
@@ -8265,7 +9193,13 @@
       </p:grpSpPr>
       <p:sp>
         <p:nvSpPr>
-          <p:cNvPr id="2" name="Title 1"/>
+          <p:cNvPr id="2" name="Title 1">
+            <a:extLst>
+              <a:ext uri="{FF2B5EF4-FFF2-40B4-BE49-F238E27FC236}">
+                <a16:creationId xmlns:a16="http://schemas.microsoft.com/office/drawing/2014/main" id="{986BCE2E-6F0D-E04F-ACD2-5FA54F92F59F}"/>
+              </a:ext>
+            </a:extLst>
+          </p:cNvPr>
           <p:cNvSpPr>
             <a:spLocks noGrp="1"/>
           </p:cNvSpPr>
@@ -8280,14 +9214,20 @@
           <a:p>
             <a:r>
               <a:rPr lang="en-US" dirty="0"/>
-              <a:t>Preparation</a:t>
-            </a:r>
-          </a:p>
-        </p:txBody>
-      </p:sp>
-      <p:sp>
-        <p:nvSpPr>
-          <p:cNvPr id="3" name="Content Placeholder 2"/>
+              <a:t>Exercise</a:t>
+            </a:r>
+          </a:p>
+        </p:txBody>
+      </p:sp>
+      <p:sp>
+        <p:nvSpPr>
+          <p:cNvPr id="3" name="Content Placeholder 2">
+            <a:extLst>
+              <a:ext uri="{FF2B5EF4-FFF2-40B4-BE49-F238E27FC236}">
+                <a16:creationId xmlns:a16="http://schemas.microsoft.com/office/drawing/2014/main" id="{07205A5B-4D09-8342-8FE1-E3FECFE0F444}"/>
+              </a:ext>
+            </a:extLst>
+          </p:cNvPr>
           <p:cNvSpPr>
             <a:spLocks noGrp="1"/>
           </p:cNvSpPr>
@@ -8295,7 +9235,12 @@
             <p:ph idx="1"/>
           </p:nvPr>
         </p:nvSpPr>
-        <p:spPr/>
+        <p:spPr>
+          <a:xfrm>
+            <a:off x="822959" y="1845734"/>
+            <a:ext cx="7543801" cy="4453466"/>
+          </a:xfrm>
+        </p:spPr>
         <p:txBody>
           <a:bodyPr>
             <a:noAutofit/>
@@ -8303,98 +9248,86 @@
           <a:lstStyle/>
           <a:p>
             <a:r>
-              <a:rPr lang="en-US" sz="2400" dirty="0"/>
-              <a:t>Install the software:</a:t>
-            </a:r>
-          </a:p>
-          <a:p>
-            <a:pPr lvl="1"/>
-            <a:r>
-              <a:rPr lang="en-US" sz="2400" dirty="0"/>
-              <a:t>WAMP for windows</a:t>
-            </a:r>
-          </a:p>
-          <a:p>
-            <a:pPr lvl="1"/>
-            <a:r>
-              <a:rPr lang="en-US" sz="2400" dirty="0"/>
-              <a:t>MAMP for Mac</a:t>
-            </a:r>
-          </a:p>
-          <a:p>
-            <a:pPr lvl="1"/>
-            <a:r>
-              <a:rPr lang="en-US" sz="2400" dirty="0"/>
-              <a:t>LAMP for </a:t>
-            </a:r>
-            <a:r>
-              <a:rPr lang="en-US" sz="2400" dirty="0" err="1"/>
-              <a:t>linux</a:t>
-            </a:r>
-            <a:r>
-              <a:rPr lang="en-US" sz="2400" dirty="0"/>
-              <a:t>.</a:t>
-            </a:r>
-          </a:p>
-          <a:p>
-            <a:r>
-              <a:rPr lang="en-US" sz="2400" dirty="0"/>
-              <a:t>Download the lab materials from</a:t>
-            </a:r>
-            <a:r>
-              <a:rPr lang="zh-CN" altLang="en-US" sz="2400" dirty="0"/>
-              <a:t> </a:t>
-            </a:r>
-            <a:r>
-              <a:rPr lang="en-US" sz="2400" dirty="0"/>
-              <a:t>GitHub</a:t>
-            </a:r>
-            <a:r>
-              <a:rPr lang="zh-CN" altLang="en-US" sz="2400" dirty="0"/>
-              <a:t> </a:t>
-            </a:r>
-            <a:r>
-              <a:rPr lang="en-US" altLang="zh-CN" sz="2400" dirty="0"/>
-              <a:t>link</a:t>
-            </a:r>
-            <a:r>
-              <a:rPr lang="en-US" sz="2400" dirty="0"/>
-              <a:t>, or class webpage.</a:t>
-            </a:r>
-          </a:p>
-          <a:p>
-            <a:r>
-              <a:rPr lang="en-US" sz="2400" dirty="0">
-                <a:hlinkClick r:id="rId2"/>
-              </a:rPr>
-              <a:t>https://github.com/yfamy123/INFSCI2710-lab</a:t>
-            </a:r>
-            <a:endParaRPr lang="en-US" sz="2400" dirty="0"/>
-          </a:p>
-          <a:p>
-            <a:r>
-              <a:rPr lang="en-US" sz="2400" dirty="0">
-                <a:hlinkClick r:id="rId3"/>
-              </a:rPr>
-              <a:t>http://www.pitt.edu/~vizclass/classes/infsci2710/</a:t>
-            </a:r>
-            <a:endParaRPr lang="en-US" sz="2400" dirty="0"/>
-          </a:p>
-          <a:p>
-            <a:r>
-              <a:rPr lang="en-US" sz="2400" dirty="0"/>
-              <a:t>If fail to install the software or forget to take the laptop, find a partner and sit together.</a:t>
-            </a:r>
-          </a:p>
-          <a:p>
-            <a:endParaRPr lang="en-US" sz="3200" dirty="0"/>
+              <a:rPr lang="en-US" sz="1800" dirty="0"/>
+              <a:t>1. Find the names of all the instructors from Biology department</a:t>
+            </a:r>
+          </a:p>
+          <a:p>
+            <a:endParaRPr lang="en-US" sz="1800" dirty="0"/>
+          </a:p>
+          <a:p>
+            <a:r>
+              <a:rPr lang="en-US" sz="1800" dirty="0"/>
+              <a:t>2. Find the names of courses in Computer science department which have 3 credits</a:t>
+            </a:r>
+          </a:p>
+          <a:p>
+            <a:endParaRPr lang="en-US" sz="1800" dirty="0"/>
+          </a:p>
+          <a:p>
+            <a:r>
+              <a:rPr lang="en-US" sz="1800" dirty="0"/>
+              <a:t>3. For the student with ID 12345, show all </a:t>
+            </a:r>
+            <a:r>
+              <a:rPr lang="en-US" sz="1800" dirty="0" err="1"/>
+              <a:t>course_id</a:t>
+            </a:r>
+            <a:r>
+              <a:rPr lang="en-US" sz="1800" dirty="0"/>
+              <a:t> and title of all courses taken by the student.</a:t>
+            </a:r>
+          </a:p>
+          <a:p>
+            <a:endParaRPr lang="en-US" sz="1800" dirty="0"/>
+          </a:p>
+          <a:p>
+            <a:r>
+              <a:rPr lang="en-US" sz="1800" dirty="0"/>
+              <a:t>4. As above, but show the total number of credits for such courses (taken by that student). Don't display the </a:t>
+            </a:r>
+            <a:r>
+              <a:rPr lang="en-US" sz="1800" dirty="0" err="1"/>
+              <a:t>tot_creds</a:t>
+            </a:r>
+            <a:r>
+              <a:rPr lang="en-US" sz="1800" dirty="0"/>
+              <a:t> value from the student table, you should use SQL aggregation on courses taken by the student.</a:t>
+            </a:r>
+          </a:p>
+          <a:p>
+            <a:endParaRPr lang="en-US" dirty="0"/>
+          </a:p>
+          <a:p>
+            <a:endParaRPr lang="en-US" dirty="0"/>
+          </a:p>
+          <a:p>
+            <a:endParaRPr lang="en-US" dirty="0"/>
+          </a:p>
+          <a:p>
+            <a:endParaRPr lang="en-US" dirty="0"/>
+          </a:p>
+          <a:p>
+            <a:endParaRPr lang="en-US" dirty="0"/>
+          </a:p>
+          <a:p>
+            <a:endParaRPr lang="en-US" dirty="0"/>
+          </a:p>
+          <a:p>
+            <a:endParaRPr lang="en-US" dirty="0"/>
+          </a:p>
+          <a:p>
+            <a:r>
+              <a:rPr lang="en-US" dirty="0"/>
+              <a:t>5.	As above, but display the total credits for each of the students, along with the ID of the student; don't bother about the name of the student. (Don't bother about students who have not registered for any course, they can be omitted)</a:t>
+            </a:r>
           </a:p>
         </p:txBody>
       </p:sp>
     </p:spTree>
     <p:extLst>
       <p:ext uri="{BB962C8B-B14F-4D97-AF65-F5344CB8AC3E}">
-        <p14:creationId xmlns:p14="http://schemas.microsoft.com/office/powerpoint/2010/main" val="1374102991"/>
+        <p14:creationId xmlns:p14="http://schemas.microsoft.com/office/powerpoint/2010/main" val="2371109908"/>
       </p:ext>
     </p:extLst>
   </p:cSld>
@@ -8745,14 +9678,14 @@
           <p:nvPr/>
         </p:nvPicPr>
         <p:blipFill>
-          <a:blip r:embed="rId2"/>
+          <a:blip r:embed="rId3"/>
           <a:stretch>
             <a:fillRect/>
           </a:stretch>
         </p:blipFill>
         <p:spPr>
           <a:xfrm>
-            <a:off x="3304518" y="594358"/>
+            <a:off x="3325919" y="620470"/>
             <a:ext cx="5683601" cy="5839316"/>
           </a:xfrm>
           <a:prstGeom prst="rect">
@@ -8843,7 +9776,7 @@
           <p:nvPr/>
         </p:nvPicPr>
         <p:blipFill>
-          <a:blip r:embed="rId3"/>
+          <a:blip r:embed="rId4"/>
           <a:stretch>
             <a:fillRect/>
           </a:stretch>
@@ -8867,7 +9800,7 @@
           <p:nvPr/>
         </p:nvPicPr>
         <p:blipFill>
-          <a:blip r:embed="rId4"/>
+          <a:blip r:embed="rId5"/>
           <a:stretch>
             <a:fillRect/>
           </a:stretch>
@@ -8891,7 +9824,7 @@
           <p:nvPr/>
         </p:nvPicPr>
         <p:blipFill>
-          <a:blip r:embed="rId5"/>
+          <a:blip r:embed="rId6"/>
           <a:stretch>
             <a:fillRect/>
           </a:stretch>
